--- a/M'sDPPT/20181216EEG项目汇报.pptx
+++ b/M'sDPPT/20181216EEG项目汇报.pptx
@@ -1,33 +1,30 @@
 
 <file path=ppt/presentation.xml><?xml version="1.0" encoding="utf-8"?>
-<p:presentation xmlns:a="http://schemas.openxmlformats.org/drawingml/2006/main" xmlns:r="http://schemas.openxmlformats.org/officeDocument/2006/relationships" xmlns:p="http://schemas.openxmlformats.org/presentationml/2006/main" saveSubsetFonts="1">
+<p:presentation xmlns:a="http://schemas.openxmlformats.org/drawingml/2006/main" xmlns:r="http://schemas.openxmlformats.org/officeDocument/2006/relationships" xmlns:p="http://schemas.openxmlformats.org/presentationml/2006/main">
   <p:sldMasterIdLst>
     <p:sldMasterId id="2147483648" r:id="rId1"/>
   </p:sldMasterIdLst>
   <p:notesMasterIdLst>
-    <p:notesMasterId r:id="rId16"/>
+    <p:notesMasterId r:id="rId4"/>
   </p:notesMasterIdLst>
   <p:sldIdLst>
-    <p:sldId id="380" r:id="rId2"/>
-    <p:sldId id="389" r:id="rId3"/>
-    <p:sldId id="391" r:id="rId4"/>
-    <p:sldId id="392" r:id="rId5"/>
-    <p:sldId id="390" r:id="rId6"/>
-    <p:sldId id="393" r:id="rId7"/>
-    <p:sldId id="394" r:id="rId8"/>
-    <p:sldId id="395" r:id="rId9"/>
-    <p:sldId id="396" r:id="rId10"/>
-    <p:sldId id="398" r:id="rId11"/>
-    <p:sldId id="399" r:id="rId12"/>
-    <p:sldId id="400" r:id="rId13"/>
-    <p:sldId id="401" r:id="rId14"/>
-    <p:sldId id="331" r:id="rId15"/>
+    <p:sldId id="380" r:id="rId3"/>
+    <p:sldId id="389" r:id="rId5"/>
+    <p:sldId id="391" r:id="rId6"/>
+    <p:sldId id="392" r:id="rId7"/>
+    <p:sldId id="390" r:id="rId8"/>
+    <p:sldId id="393" r:id="rId9"/>
+    <p:sldId id="394" r:id="rId10"/>
+    <p:sldId id="395" r:id="rId11"/>
+    <p:sldId id="396" r:id="rId12"/>
+    <p:sldId id="398" r:id="rId13"/>
+    <p:sldId id="399" r:id="rId14"/>
+    <p:sldId id="400" r:id="rId15"/>
+    <p:sldId id="401" r:id="rId16"/>
+    <p:sldId id="331" r:id="rId17"/>
   </p:sldIdLst>
   <p:sldSz cx="9144000" cy="5143500" type="screen16x9"/>
   <p:notesSz cx="6858000" cy="9144000"/>
-  <p:custDataLst>
-    <p:tags r:id="rId17"/>
-  </p:custDataLst>
   <p:defaultTextStyle>
     <a:defPPr>
       <a:defRPr lang="zh-CN"/>
@@ -123,22 +120,6 @@
       </a:defRPr>
     </a:lvl9pPr>
   </p:defaultTextStyle>
-  <p:extLst>
-    <p:ext uri="{EFAFB233-063F-42B5-8137-9DF3F51BA10A}">
-      <p15:sldGuideLst xmlns:p15="http://schemas.microsoft.com/office/powerpoint/2012/main">
-        <p15:guide id="1" orient="horz" pos="1620">
-          <p15:clr>
-            <a:srgbClr val="A4A3A4"/>
-          </p15:clr>
-        </p15:guide>
-        <p15:guide id="2" pos="2880">
-          <p15:clr>
-            <a:srgbClr val="A4A3A4"/>
-          </p15:clr>
-        </p15:guide>
-      </p15:sldGuideLst>
-    </p:ext>
-  </p:extLst>
 </p:presentation>
 </file>
 
@@ -224,7 +205,6 @@
           <a:p>
             <a:fld id="{6A2B73EA-EE91-4E33-A9C1-8BF5DD7139A2}" type="datetimeFigureOut">
               <a:rPr lang="zh-CN" altLang="en-US" smtClean="0"/>
-              <a:t>2018/12/16</a:t>
             </a:fld>
             <a:endParaRPr lang="zh-CN" altLang="en-US"/>
           </a:p>
@@ -291,6 +271,7 @@
               <a:rPr lang="zh-CN" altLang="en-US"/>
               <a:t>单击此处编辑母版文本样式</a:t>
             </a:r>
+            <a:endParaRPr lang="zh-CN" altLang="en-US"/>
           </a:p>
           <a:p>
             <a:pPr lvl="1"/>
@@ -298,6 +279,7 @@
               <a:rPr lang="zh-CN" altLang="en-US"/>
               <a:t>第二级</a:t>
             </a:r>
+            <a:endParaRPr lang="zh-CN" altLang="en-US"/>
           </a:p>
           <a:p>
             <a:pPr lvl="2"/>
@@ -305,6 +287,7 @@
               <a:rPr lang="zh-CN" altLang="en-US"/>
               <a:t>第三级</a:t>
             </a:r>
+            <a:endParaRPr lang="zh-CN" altLang="en-US"/>
           </a:p>
           <a:p>
             <a:pPr lvl="3"/>
@@ -312,6 +295,7 @@
               <a:rPr lang="zh-CN" altLang="en-US"/>
               <a:t>第四级</a:t>
             </a:r>
+            <a:endParaRPr lang="zh-CN" altLang="en-US"/>
           </a:p>
           <a:p>
             <a:pPr lvl="4"/>
@@ -319,6 +303,7 @@
               <a:rPr lang="zh-CN" altLang="en-US"/>
               <a:t>第五级</a:t>
             </a:r>
+            <a:endParaRPr lang="zh-CN" altLang="en-US"/>
           </a:p>
         </p:txBody>
       </p:sp>
@@ -382,18 +367,12 @@
           <a:p>
             <a:fld id="{7392B679-AE23-4750-8FB0-6513430B8953}" type="slidenum">
               <a:rPr lang="zh-CN" altLang="en-US" smtClean="0"/>
-              <a:t>‹#›</a:t>
             </a:fld>
             <a:endParaRPr lang="zh-CN" altLang="en-US"/>
           </a:p>
         </p:txBody>
       </p:sp>
     </p:spTree>
-    <p:extLst>
-      <p:ext uri="{BB962C8B-B14F-4D97-AF65-F5344CB8AC3E}">
-        <p14:creationId xmlns:p14="http://schemas.microsoft.com/office/powerpoint/2010/main" val="129930128"/>
-      </p:ext>
-    </p:extLst>
   </p:cSld>
   <p:clrMap bg1="lt1" tx1="dk1" bg2="lt2" tx2="dk2" accent1="accent1" accent2="accent2" accent3="accent3" accent4="accent4" accent5="accent5" accent6="accent6" hlink="hlink" folHlink="folHlink"/>
   <p:notesStyle>
@@ -549,7 +528,6 @@
               <a:buSzTx/>
               <a:buFontTx/>
               <a:buNone/>
-              <a:tabLst/>
               <a:defRPr/>
             </a:pPr>
             <a:endParaRPr lang="en-GB" altLang="zh-CN" sz="1200" b="1" dirty="0">
@@ -582,18 +560,12 @@
           <a:p>
             <a:fld id="{7392B679-AE23-4750-8FB0-6513430B8953}" type="slidenum">
               <a:rPr lang="zh-CN" altLang="en-US" smtClean="0"/>
-              <a:t>1</a:t>
             </a:fld>
             <a:endParaRPr lang="zh-CN" altLang="en-US"/>
           </a:p>
         </p:txBody>
       </p:sp>
     </p:spTree>
-    <p:extLst>
-      <p:ext uri="{BB962C8B-B14F-4D97-AF65-F5344CB8AC3E}">
-        <p14:creationId xmlns:p14="http://schemas.microsoft.com/office/powerpoint/2010/main" val="2454788019"/>
-      </p:ext>
-    </p:extLst>
   </p:cSld>
   <p:clrMapOvr>
     <a:masterClrMapping/>
@@ -678,7 +650,6 @@
               <a:buSzTx/>
               <a:buFontTx/>
               <a:buNone/>
-              <a:tabLst/>
               <a:defRPr/>
             </a:pPr>
             <a:fld id="{7392B679-AE23-4750-8FB0-6513430B8953}" type="slidenum">
@@ -693,27 +664,9 @@
                 <a:uLnTx/>
                 <a:uFillTx/>
                 <a:latin typeface="Calibri"/>
-                <a:ea typeface="宋体" panose="02010600030101010101" pitchFamily="2" charset="-122"/>
+                <a:ea typeface="宋体" pitchFamily="2" charset="-122"/>
                 <a:cs typeface="+mn-cs"/>
               </a:rPr>
-              <a:pPr marL="0" marR="0" lvl="0" indent="0" algn="r" defTabSz="914400" rtl="0" eaLnBrk="1" fontAlgn="auto" latinLnBrk="0" hangingPunct="1">
-                <a:lnSpc>
-                  <a:spcPct val="100000"/>
-                </a:lnSpc>
-                <a:spcBef>
-                  <a:spcPts val="0"/>
-                </a:spcBef>
-                <a:spcAft>
-                  <a:spcPts val="0"/>
-                </a:spcAft>
-                <a:buClrTx/>
-                <a:buSzTx/>
-                <a:buFontTx/>
-                <a:buNone/>
-                <a:tabLst/>
-                <a:defRPr/>
-              </a:pPr>
-              <a:t>10</a:t>
             </a:fld>
             <a:endParaRPr kumimoji="0" lang="zh-CN" altLang="en-US" sz="1300" b="0" i="0" u="none" strike="noStrike" kern="1200" cap="none" spc="0" normalizeH="0" baseline="0" noProof="0">
               <a:ln>
@@ -726,18 +679,13 @@
               <a:uLnTx/>
               <a:uFillTx/>
               <a:latin typeface="Calibri"/>
-              <a:ea typeface="宋体" panose="02010600030101010101" pitchFamily="2" charset="-122"/>
+              <a:ea typeface="宋体" pitchFamily="2" charset="-122"/>
               <a:cs typeface="+mn-cs"/>
             </a:endParaRPr>
           </a:p>
         </p:txBody>
       </p:sp>
     </p:spTree>
-    <p:extLst>
-      <p:ext uri="{BB962C8B-B14F-4D97-AF65-F5344CB8AC3E}">
-        <p14:creationId xmlns:p14="http://schemas.microsoft.com/office/powerpoint/2010/main" val="2829111310"/>
-      </p:ext>
-    </p:extLst>
   </p:cSld>
   <p:clrMapOvr>
     <a:masterClrMapping/>
@@ -822,7 +770,6 @@
               <a:buSzTx/>
               <a:buFontTx/>
               <a:buNone/>
-              <a:tabLst/>
               <a:defRPr/>
             </a:pPr>
             <a:fld id="{7392B679-AE23-4750-8FB0-6513430B8953}" type="slidenum">
@@ -837,27 +784,9 @@
                 <a:uLnTx/>
                 <a:uFillTx/>
                 <a:latin typeface="Calibri"/>
-                <a:ea typeface="宋体" panose="02010600030101010101" pitchFamily="2" charset="-122"/>
+                <a:ea typeface="宋体" pitchFamily="2" charset="-122"/>
                 <a:cs typeface="+mn-cs"/>
               </a:rPr>
-              <a:pPr marL="0" marR="0" lvl="0" indent="0" algn="r" defTabSz="914400" rtl="0" eaLnBrk="1" fontAlgn="auto" latinLnBrk="0" hangingPunct="1">
-                <a:lnSpc>
-                  <a:spcPct val="100000"/>
-                </a:lnSpc>
-                <a:spcBef>
-                  <a:spcPts val="0"/>
-                </a:spcBef>
-                <a:spcAft>
-                  <a:spcPts val="0"/>
-                </a:spcAft>
-                <a:buClrTx/>
-                <a:buSzTx/>
-                <a:buFontTx/>
-                <a:buNone/>
-                <a:tabLst/>
-                <a:defRPr/>
-              </a:pPr>
-              <a:t>11</a:t>
             </a:fld>
             <a:endParaRPr kumimoji="0" lang="zh-CN" altLang="en-US" sz="1300" b="0" i="0" u="none" strike="noStrike" kern="1200" cap="none" spc="0" normalizeH="0" baseline="0" noProof="0">
               <a:ln>
@@ -870,18 +799,13 @@
               <a:uLnTx/>
               <a:uFillTx/>
               <a:latin typeface="Calibri"/>
-              <a:ea typeface="宋体" panose="02010600030101010101" pitchFamily="2" charset="-122"/>
+              <a:ea typeface="宋体" pitchFamily="2" charset="-122"/>
               <a:cs typeface="+mn-cs"/>
             </a:endParaRPr>
           </a:p>
         </p:txBody>
       </p:sp>
     </p:spTree>
-    <p:extLst>
-      <p:ext uri="{BB962C8B-B14F-4D97-AF65-F5344CB8AC3E}">
-        <p14:creationId xmlns:p14="http://schemas.microsoft.com/office/powerpoint/2010/main" val="4280079378"/>
-      </p:ext>
-    </p:extLst>
   </p:cSld>
   <p:clrMapOvr>
     <a:masterClrMapping/>
@@ -966,7 +890,6 @@
               <a:buSzTx/>
               <a:buFontTx/>
               <a:buNone/>
-              <a:tabLst/>
               <a:defRPr/>
             </a:pPr>
             <a:fld id="{7392B679-AE23-4750-8FB0-6513430B8953}" type="slidenum">
@@ -981,27 +904,9 @@
                 <a:uLnTx/>
                 <a:uFillTx/>
                 <a:latin typeface="Calibri"/>
-                <a:ea typeface="宋体" panose="02010600030101010101" pitchFamily="2" charset="-122"/>
+                <a:ea typeface="宋体" pitchFamily="2" charset="-122"/>
                 <a:cs typeface="+mn-cs"/>
               </a:rPr>
-              <a:pPr marL="0" marR="0" lvl="0" indent="0" algn="r" defTabSz="914400" rtl="0" eaLnBrk="1" fontAlgn="auto" latinLnBrk="0" hangingPunct="1">
-                <a:lnSpc>
-                  <a:spcPct val="100000"/>
-                </a:lnSpc>
-                <a:spcBef>
-                  <a:spcPts val="0"/>
-                </a:spcBef>
-                <a:spcAft>
-                  <a:spcPts val="0"/>
-                </a:spcAft>
-                <a:buClrTx/>
-                <a:buSzTx/>
-                <a:buFontTx/>
-                <a:buNone/>
-                <a:tabLst/>
-                <a:defRPr/>
-              </a:pPr>
-              <a:t>12</a:t>
             </a:fld>
             <a:endParaRPr kumimoji="0" lang="zh-CN" altLang="en-US" sz="1300" b="0" i="0" u="none" strike="noStrike" kern="1200" cap="none" spc="0" normalizeH="0" baseline="0" noProof="0">
               <a:ln>
@@ -1014,18 +919,13 @@
               <a:uLnTx/>
               <a:uFillTx/>
               <a:latin typeface="Calibri"/>
-              <a:ea typeface="宋体" panose="02010600030101010101" pitchFamily="2" charset="-122"/>
+              <a:ea typeface="宋体" pitchFamily="2" charset="-122"/>
               <a:cs typeface="+mn-cs"/>
             </a:endParaRPr>
           </a:p>
         </p:txBody>
       </p:sp>
     </p:spTree>
-    <p:extLst>
-      <p:ext uri="{BB962C8B-B14F-4D97-AF65-F5344CB8AC3E}">
-        <p14:creationId xmlns:p14="http://schemas.microsoft.com/office/powerpoint/2010/main" val="2577035210"/>
-      </p:ext>
-    </p:extLst>
   </p:cSld>
   <p:clrMapOvr>
     <a:masterClrMapping/>
@@ -1110,7 +1010,6 @@
               <a:buSzTx/>
               <a:buFontTx/>
               <a:buNone/>
-              <a:tabLst/>
               <a:defRPr/>
             </a:pPr>
             <a:fld id="{7392B679-AE23-4750-8FB0-6513430B8953}" type="slidenum">
@@ -1125,27 +1024,9 @@
                 <a:uLnTx/>
                 <a:uFillTx/>
                 <a:latin typeface="Calibri"/>
-                <a:ea typeface="宋体" panose="02010600030101010101" pitchFamily="2" charset="-122"/>
+                <a:ea typeface="宋体" pitchFamily="2" charset="-122"/>
                 <a:cs typeface="+mn-cs"/>
               </a:rPr>
-              <a:pPr marL="0" marR="0" lvl="0" indent="0" algn="r" defTabSz="914400" rtl="0" eaLnBrk="1" fontAlgn="auto" latinLnBrk="0" hangingPunct="1">
-                <a:lnSpc>
-                  <a:spcPct val="100000"/>
-                </a:lnSpc>
-                <a:spcBef>
-                  <a:spcPts val="0"/>
-                </a:spcBef>
-                <a:spcAft>
-                  <a:spcPts val="0"/>
-                </a:spcAft>
-                <a:buClrTx/>
-                <a:buSzTx/>
-                <a:buFontTx/>
-                <a:buNone/>
-                <a:tabLst/>
-                <a:defRPr/>
-              </a:pPr>
-              <a:t>13</a:t>
             </a:fld>
             <a:endParaRPr kumimoji="0" lang="zh-CN" altLang="en-US" sz="1300" b="0" i="0" u="none" strike="noStrike" kern="1200" cap="none" spc="0" normalizeH="0" baseline="0" noProof="0">
               <a:ln>
@@ -1158,18 +1039,13 @@
               <a:uLnTx/>
               <a:uFillTx/>
               <a:latin typeface="Calibri"/>
-              <a:ea typeface="宋体" panose="02010600030101010101" pitchFamily="2" charset="-122"/>
+              <a:ea typeface="宋体" pitchFamily="2" charset="-122"/>
               <a:cs typeface="+mn-cs"/>
             </a:endParaRPr>
           </a:p>
         </p:txBody>
       </p:sp>
     </p:spTree>
-    <p:extLst>
-      <p:ext uri="{BB962C8B-B14F-4D97-AF65-F5344CB8AC3E}">
-        <p14:creationId xmlns:p14="http://schemas.microsoft.com/office/powerpoint/2010/main" val="2218926759"/>
-      </p:ext>
-    </p:extLst>
   </p:cSld>
   <p:clrMapOvr>
     <a:masterClrMapping/>
@@ -1242,18 +1118,12 @@
           <a:p>
             <a:fld id="{7392B679-AE23-4750-8FB0-6513430B8953}" type="slidenum">
               <a:rPr lang="zh-CN" altLang="en-US" smtClean="0"/>
-              <a:t>14</a:t>
             </a:fld>
             <a:endParaRPr lang="zh-CN" altLang="en-US"/>
           </a:p>
         </p:txBody>
       </p:sp>
     </p:spTree>
-    <p:extLst>
-      <p:ext uri="{BB962C8B-B14F-4D97-AF65-F5344CB8AC3E}">
-        <p14:creationId xmlns:p14="http://schemas.microsoft.com/office/powerpoint/2010/main" val="3064466279"/>
-      </p:ext>
-    </p:extLst>
   </p:cSld>
   <p:clrMapOvr>
     <a:masterClrMapping/>
@@ -1338,7 +1208,6 @@
               <a:buSzTx/>
               <a:buFontTx/>
               <a:buNone/>
-              <a:tabLst/>
               <a:defRPr/>
             </a:pPr>
             <a:fld id="{7392B679-AE23-4750-8FB0-6513430B8953}" type="slidenum">
@@ -1353,27 +1222,9 @@
                 <a:uLnTx/>
                 <a:uFillTx/>
                 <a:latin typeface="Calibri"/>
-                <a:ea typeface="宋体" panose="02010600030101010101" pitchFamily="2" charset="-122"/>
+                <a:ea typeface="宋体" pitchFamily="2" charset="-122"/>
                 <a:cs typeface="+mn-cs"/>
               </a:rPr>
-              <a:pPr marL="0" marR="0" lvl="0" indent="0" algn="r" defTabSz="914400" rtl="0" eaLnBrk="1" fontAlgn="auto" latinLnBrk="0" hangingPunct="1">
-                <a:lnSpc>
-                  <a:spcPct val="100000"/>
-                </a:lnSpc>
-                <a:spcBef>
-                  <a:spcPts val="0"/>
-                </a:spcBef>
-                <a:spcAft>
-                  <a:spcPts val="0"/>
-                </a:spcAft>
-                <a:buClrTx/>
-                <a:buSzTx/>
-                <a:buFontTx/>
-                <a:buNone/>
-                <a:tabLst/>
-                <a:defRPr/>
-              </a:pPr>
-              <a:t>2</a:t>
             </a:fld>
             <a:endParaRPr kumimoji="0" lang="zh-CN" altLang="en-US" sz="1300" b="0" i="0" u="none" strike="noStrike" kern="1200" cap="none" spc="0" normalizeH="0" baseline="0" noProof="0">
               <a:ln>
@@ -1386,18 +1237,13 @@
               <a:uLnTx/>
               <a:uFillTx/>
               <a:latin typeface="Calibri"/>
-              <a:ea typeface="宋体" panose="02010600030101010101" pitchFamily="2" charset="-122"/>
+              <a:ea typeface="宋体" pitchFamily="2" charset="-122"/>
               <a:cs typeface="+mn-cs"/>
             </a:endParaRPr>
           </a:p>
         </p:txBody>
       </p:sp>
     </p:spTree>
-    <p:extLst>
-      <p:ext uri="{BB962C8B-B14F-4D97-AF65-F5344CB8AC3E}">
-        <p14:creationId xmlns:p14="http://schemas.microsoft.com/office/powerpoint/2010/main" val="2567451116"/>
-      </p:ext>
-    </p:extLst>
   </p:cSld>
   <p:clrMapOvr>
     <a:masterClrMapping/>
@@ -1482,7 +1328,6 @@
               <a:buSzTx/>
               <a:buFontTx/>
               <a:buNone/>
-              <a:tabLst/>
               <a:defRPr/>
             </a:pPr>
             <a:fld id="{7392B679-AE23-4750-8FB0-6513430B8953}" type="slidenum">
@@ -1497,27 +1342,9 @@
                 <a:uLnTx/>
                 <a:uFillTx/>
                 <a:latin typeface="Calibri"/>
-                <a:ea typeface="宋体" panose="02010600030101010101" pitchFamily="2" charset="-122"/>
+                <a:ea typeface="宋体" pitchFamily="2" charset="-122"/>
                 <a:cs typeface="+mn-cs"/>
               </a:rPr>
-              <a:pPr marL="0" marR="0" lvl="0" indent="0" algn="r" defTabSz="914400" rtl="0" eaLnBrk="1" fontAlgn="auto" latinLnBrk="0" hangingPunct="1">
-                <a:lnSpc>
-                  <a:spcPct val="100000"/>
-                </a:lnSpc>
-                <a:spcBef>
-                  <a:spcPts val="0"/>
-                </a:spcBef>
-                <a:spcAft>
-                  <a:spcPts val="0"/>
-                </a:spcAft>
-                <a:buClrTx/>
-                <a:buSzTx/>
-                <a:buFontTx/>
-                <a:buNone/>
-                <a:tabLst/>
-                <a:defRPr/>
-              </a:pPr>
-              <a:t>3</a:t>
             </a:fld>
             <a:endParaRPr kumimoji="0" lang="zh-CN" altLang="en-US" sz="1200" b="0" i="0" u="none" strike="noStrike" kern="1200" cap="none" spc="0" normalizeH="0" baseline="0" noProof="0">
               <a:ln>
@@ -1530,18 +1357,13 @@
               <a:uLnTx/>
               <a:uFillTx/>
               <a:latin typeface="Calibri"/>
-              <a:ea typeface="宋体" panose="02010600030101010101" pitchFamily="2" charset="-122"/>
+              <a:ea typeface="宋体" pitchFamily="2" charset="-122"/>
               <a:cs typeface="+mn-cs"/>
             </a:endParaRPr>
           </a:p>
         </p:txBody>
       </p:sp>
     </p:spTree>
-    <p:extLst>
-      <p:ext uri="{BB962C8B-B14F-4D97-AF65-F5344CB8AC3E}">
-        <p14:creationId xmlns:p14="http://schemas.microsoft.com/office/powerpoint/2010/main" val="2119807125"/>
-      </p:ext>
-    </p:extLst>
   </p:cSld>
   <p:clrMapOvr>
     <a:masterClrMapping/>
@@ -1626,7 +1448,6 @@
               <a:buSzTx/>
               <a:buFontTx/>
               <a:buNone/>
-              <a:tabLst/>
               <a:defRPr/>
             </a:pPr>
             <a:fld id="{7392B679-AE23-4750-8FB0-6513430B8953}" type="slidenum">
@@ -1641,27 +1462,9 @@
                 <a:uLnTx/>
                 <a:uFillTx/>
                 <a:latin typeface="Calibri"/>
-                <a:ea typeface="宋体" panose="02010600030101010101" pitchFamily="2" charset="-122"/>
+                <a:ea typeface="宋体" pitchFamily="2" charset="-122"/>
                 <a:cs typeface="+mn-cs"/>
               </a:rPr>
-              <a:pPr marL="0" marR="0" lvl="0" indent="0" algn="r" defTabSz="914400" rtl="0" eaLnBrk="1" fontAlgn="auto" latinLnBrk="0" hangingPunct="1">
-                <a:lnSpc>
-                  <a:spcPct val="100000"/>
-                </a:lnSpc>
-                <a:spcBef>
-                  <a:spcPts val="0"/>
-                </a:spcBef>
-                <a:spcAft>
-                  <a:spcPts val="0"/>
-                </a:spcAft>
-                <a:buClrTx/>
-                <a:buSzTx/>
-                <a:buFontTx/>
-                <a:buNone/>
-                <a:tabLst/>
-                <a:defRPr/>
-              </a:pPr>
-              <a:t>4</a:t>
             </a:fld>
             <a:endParaRPr kumimoji="0" lang="zh-CN" altLang="en-US" sz="1300" b="0" i="0" u="none" strike="noStrike" kern="1200" cap="none" spc="0" normalizeH="0" baseline="0" noProof="0">
               <a:ln>
@@ -1674,18 +1477,13 @@
               <a:uLnTx/>
               <a:uFillTx/>
               <a:latin typeface="Calibri"/>
-              <a:ea typeface="宋体" panose="02010600030101010101" pitchFamily="2" charset="-122"/>
+              <a:ea typeface="宋体" pitchFamily="2" charset="-122"/>
               <a:cs typeface="+mn-cs"/>
             </a:endParaRPr>
           </a:p>
         </p:txBody>
       </p:sp>
     </p:spTree>
-    <p:extLst>
-      <p:ext uri="{BB962C8B-B14F-4D97-AF65-F5344CB8AC3E}">
-        <p14:creationId xmlns:p14="http://schemas.microsoft.com/office/powerpoint/2010/main" val="1855347874"/>
-      </p:ext>
-    </p:extLst>
   </p:cSld>
   <p:clrMapOvr>
     <a:masterClrMapping/>
@@ -1770,7 +1568,6 @@
               <a:buSzTx/>
               <a:buFontTx/>
               <a:buNone/>
-              <a:tabLst/>
               <a:defRPr/>
             </a:pPr>
             <a:fld id="{7392B679-AE23-4750-8FB0-6513430B8953}" type="slidenum">
@@ -1785,27 +1582,9 @@
                 <a:uLnTx/>
                 <a:uFillTx/>
                 <a:latin typeface="Calibri"/>
-                <a:ea typeface="宋体" panose="02010600030101010101" pitchFamily="2" charset="-122"/>
+                <a:ea typeface="宋体" pitchFamily="2" charset="-122"/>
                 <a:cs typeface="+mn-cs"/>
               </a:rPr>
-              <a:pPr marL="0" marR="0" lvl="0" indent="0" algn="r" defTabSz="914400" rtl="0" eaLnBrk="1" fontAlgn="auto" latinLnBrk="0" hangingPunct="1">
-                <a:lnSpc>
-                  <a:spcPct val="100000"/>
-                </a:lnSpc>
-                <a:spcBef>
-                  <a:spcPts val="0"/>
-                </a:spcBef>
-                <a:spcAft>
-                  <a:spcPts val="0"/>
-                </a:spcAft>
-                <a:buClrTx/>
-                <a:buSzTx/>
-                <a:buFontTx/>
-                <a:buNone/>
-                <a:tabLst/>
-                <a:defRPr/>
-              </a:pPr>
-              <a:t>5</a:t>
             </a:fld>
             <a:endParaRPr kumimoji="0" lang="zh-CN" altLang="en-US" sz="1300" b="0" i="0" u="none" strike="noStrike" kern="1200" cap="none" spc="0" normalizeH="0" baseline="0" noProof="0">
               <a:ln>
@@ -1818,18 +1597,13 @@
               <a:uLnTx/>
               <a:uFillTx/>
               <a:latin typeface="Calibri"/>
-              <a:ea typeface="宋体" panose="02010600030101010101" pitchFamily="2" charset="-122"/>
+              <a:ea typeface="宋体" pitchFamily="2" charset="-122"/>
               <a:cs typeface="+mn-cs"/>
             </a:endParaRPr>
           </a:p>
         </p:txBody>
       </p:sp>
     </p:spTree>
-    <p:extLst>
-      <p:ext uri="{BB962C8B-B14F-4D97-AF65-F5344CB8AC3E}">
-        <p14:creationId xmlns:p14="http://schemas.microsoft.com/office/powerpoint/2010/main" val="3682074686"/>
-      </p:ext>
-    </p:extLst>
   </p:cSld>
   <p:clrMapOvr>
     <a:masterClrMapping/>
@@ -1914,7 +1688,6 @@
               <a:buSzTx/>
               <a:buFontTx/>
               <a:buNone/>
-              <a:tabLst/>
               <a:defRPr/>
             </a:pPr>
             <a:fld id="{7392B679-AE23-4750-8FB0-6513430B8953}" type="slidenum">
@@ -1929,27 +1702,9 @@
                 <a:uLnTx/>
                 <a:uFillTx/>
                 <a:latin typeface="Calibri"/>
-                <a:ea typeface="宋体" panose="02010600030101010101" pitchFamily="2" charset="-122"/>
+                <a:ea typeface="宋体" pitchFamily="2" charset="-122"/>
                 <a:cs typeface="+mn-cs"/>
               </a:rPr>
-              <a:pPr marL="0" marR="0" lvl="0" indent="0" algn="r" defTabSz="914400" rtl="0" eaLnBrk="1" fontAlgn="auto" latinLnBrk="0" hangingPunct="1">
-                <a:lnSpc>
-                  <a:spcPct val="100000"/>
-                </a:lnSpc>
-                <a:spcBef>
-                  <a:spcPts val="0"/>
-                </a:spcBef>
-                <a:spcAft>
-                  <a:spcPts val="0"/>
-                </a:spcAft>
-                <a:buClrTx/>
-                <a:buSzTx/>
-                <a:buFontTx/>
-                <a:buNone/>
-                <a:tabLst/>
-                <a:defRPr/>
-              </a:pPr>
-              <a:t>6</a:t>
             </a:fld>
             <a:endParaRPr kumimoji="0" lang="zh-CN" altLang="en-US" sz="1300" b="0" i="0" u="none" strike="noStrike" kern="1200" cap="none" spc="0" normalizeH="0" baseline="0" noProof="0">
               <a:ln>
@@ -1962,18 +1717,13 @@
               <a:uLnTx/>
               <a:uFillTx/>
               <a:latin typeface="Calibri"/>
-              <a:ea typeface="宋体" panose="02010600030101010101" pitchFamily="2" charset="-122"/>
+              <a:ea typeface="宋体" pitchFamily="2" charset="-122"/>
               <a:cs typeface="+mn-cs"/>
             </a:endParaRPr>
           </a:p>
         </p:txBody>
       </p:sp>
     </p:spTree>
-    <p:extLst>
-      <p:ext uri="{BB962C8B-B14F-4D97-AF65-F5344CB8AC3E}">
-        <p14:creationId xmlns:p14="http://schemas.microsoft.com/office/powerpoint/2010/main" val="3977858712"/>
-      </p:ext>
-    </p:extLst>
   </p:cSld>
   <p:clrMapOvr>
     <a:masterClrMapping/>
@@ -2058,7 +1808,6 @@
               <a:buSzTx/>
               <a:buFontTx/>
               <a:buNone/>
-              <a:tabLst/>
               <a:defRPr/>
             </a:pPr>
             <a:fld id="{7392B679-AE23-4750-8FB0-6513430B8953}" type="slidenum">
@@ -2073,27 +1822,9 @@
                 <a:uLnTx/>
                 <a:uFillTx/>
                 <a:latin typeface="Calibri"/>
-                <a:ea typeface="宋体" panose="02010600030101010101" pitchFamily="2" charset="-122"/>
+                <a:ea typeface="宋体" pitchFamily="2" charset="-122"/>
                 <a:cs typeface="+mn-cs"/>
               </a:rPr>
-              <a:pPr marL="0" marR="0" lvl="0" indent="0" algn="r" defTabSz="914400" rtl="0" eaLnBrk="1" fontAlgn="auto" latinLnBrk="0" hangingPunct="1">
-                <a:lnSpc>
-                  <a:spcPct val="100000"/>
-                </a:lnSpc>
-                <a:spcBef>
-                  <a:spcPts val="0"/>
-                </a:spcBef>
-                <a:spcAft>
-                  <a:spcPts val="0"/>
-                </a:spcAft>
-                <a:buClrTx/>
-                <a:buSzTx/>
-                <a:buFontTx/>
-                <a:buNone/>
-                <a:tabLst/>
-                <a:defRPr/>
-              </a:pPr>
-              <a:t>7</a:t>
             </a:fld>
             <a:endParaRPr kumimoji="0" lang="zh-CN" altLang="en-US" sz="1300" b="0" i="0" u="none" strike="noStrike" kern="1200" cap="none" spc="0" normalizeH="0" baseline="0" noProof="0">
               <a:ln>
@@ -2106,18 +1837,13 @@
               <a:uLnTx/>
               <a:uFillTx/>
               <a:latin typeface="Calibri"/>
-              <a:ea typeface="宋体" panose="02010600030101010101" pitchFamily="2" charset="-122"/>
+              <a:ea typeface="宋体" pitchFamily="2" charset="-122"/>
               <a:cs typeface="+mn-cs"/>
             </a:endParaRPr>
           </a:p>
         </p:txBody>
       </p:sp>
     </p:spTree>
-    <p:extLst>
-      <p:ext uri="{BB962C8B-B14F-4D97-AF65-F5344CB8AC3E}">
-        <p14:creationId xmlns:p14="http://schemas.microsoft.com/office/powerpoint/2010/main" val="4255633745"/>
-      </p:ext>
-    </p:extLst>
   </p:cSld>
   <p:clrMapOvr>
     <a:masterClrMapping/>
@@ -2202,7 +1928,6 @@
               <a:buSzTx/>
               <a:buFontTx/>
               <a:buNone/>
-              <a:tabLst/>
               <a:defRPr/>
             </a:pPr>
             <a:fld id="{7392B679-AE23-4750-8FB0-6513430B8953}" type="slidenum">
@@ -2217,27 +1942,9 @@
                 <a:uLnTx/>
                 <a:uFillTx/>
                 <a:latin typeface="Calibri"/>
-                <a:ea typeface="宋体" panose="02010600030101010101" pitchFamily="2" charset="-122"/>
+                <a:ea typeface="宋体" pitchFamily="2" charset="-122"/>
                 <a:cs typeface="+mn-cs"/>
               </a:rPr>
-              <a:pPr marL="0" marR="0" lvl="0" indent="0" algn="r" defTabSz="914400" rtl="0" eaLnBrk="1" fontAlgn="auto" latinLnBrk="0" hangingPunct="1">
-                <a:lnSpc>
-                  <a:spcPct val="100000"/>
-                </a:lnSpc>
-                <a:spcBef>
-                  <a:spcPts val="0"/>
-                </a:spcBef>
-                <a:spcAft>
-                  <a:spcPts val="0"/>
-                </a:spcAft>
-                <a:buClrTx/>
-                <a:buSzTx/>
-                <a:buFontTx/>
-                <a:buNone/>
-                <a:tabLst/>
-                <a:defRPr/>
-              </a:pPr>
-              <a:t>8</a:t>
             </a:fld>
             <a:endParaRPr kumimoji="0" lang="zh-CN" altLang="en-US" sz="1300" b="0" i="0" u="none" strike="noStrike" kern="1200" cap="none" spc="0" normalizeH="0" baseline="0" noProof="0">
               <a:ln>
@@ -2250,18 +1957,13 @@
               <a:uLnTx/>
               <a:uFillTx/>
               <a:latin typeface="Calibri"/>
-              <a:ea typeface="宋体" panose="02010600030101010101" pitchFamily="2" charset="-122"/>
+              <a:ea typeface="宋体" pitchFamily="2" charset="-122"/>
               <a:cs typeface="+mn-cs"/>
             </a:endParaRPr>
           </a:p>
         </p:txBody>
       </p:sp>
     </p:spTree>
-    <p:extLst>
-      <p:ext uri="{BB962C8B-B14F-4D97-AF65-F5344CB8AC3E}">
-        <p14:creationId xmlns:p14="http://schemas.microsoft.com/office/powerpoint/2010/main" val="3425233513"/>
-      </p:ext>
-    </p:extLst>
   </p:cSld>
   <p:clrMapOvr>
     <a:masterClrMapping/>
@@ -2346,7 +2048,6 @@
               <a:buSzTx/>
               <a:buFontTx/>
               <a:buNone/>
-              <a:tabLst/>
               <a:defRPr/>
             </a:pPr>
             <a:fld id="{7392B679-AE23-4750-8FB0-6513430B8953}" type="slidenum">
@@ -2361,27 +2062,9 @@
                 <a:uLnTx/>
                 <a:uFillTx/>
                 <a:latin typeface="Calibri"/>
-                <a:ea typeface="宋体" panose="02010600030101010101" pitchFamily="2" charset="-122"/>
+                <a:ea typeface="宋体" pitchFamily="2" charset="-122"/>
                 <a:cs typeface="+mn-cs"/>
               </a:rPr>
-              <a:pPr marL="0" marR="0" lvl="0" indent="0" algn="r" defTabSz="914400" rtl="0" eaLnBrk="1" fontAlgn="auto" latinLnBrk="0" hangingPunct="1">
-                <a:lnSpc>
-                  <a:spcPct val="100000"/>
-                </a:lnSpc>
-                <a:spcBef>
-                  <a:spcPts val="0"/>
-                </a:spcBef>
-                <a:spcAft>
-                  <a:spcPts val="0"/>
-                </a:spcAft>
-                <a:buClrTx/>
-                <a:buSzTx/>
-                <a:buFontTx/>
-                <a:buNone/>
-                <a:tabLst/>
-                <a:defRPr/>
-              </a:pPr>
-              <a:t>9</a:t>
             </a:fld>
             <a:endParaRPr kumimoji="0" lang="zh-CN" altLang="en-US" sz="1300" b="0" i="0" u="none" strike="noStrike" kern="1200" cap="none" spc="0" normalizeH="0" baseline="0" noProof="0">
               <a:ln>
@@ -2394,18 +2077,13 @@
               <a:uLnTx/>
               <a:uFillTx/>
               <a:latin typeface="Calibri"/>
-              <a:ea typeface="宋体" panose="02010600030101010101" pitchFamily="2" charset="-122"/>
+              <a:ea typeface="宋体" pitchFamily="2" charset="-122"/>
               <a:cs typeface="+mn-cs"/>
             </a:endParaRPr>
           </a:p>
         </p:txBody>
       </p:sp>
     </p:spTree>
-    <p:extLst>
-      <p:ext uri="{BB962C8B-B14F-4D97-AF65-F5344CB8AC3E}">
-        <p14:creationId xmlns:p14="http://schemas.microsoft.com/office/powerpoint/2010/main" val="4153878813"/>
-      </p:ext>
-    </p:extLst>
   </p:cSld>
   <p:clrMapOvr>
     <a:masterClrMapping/>
@@ -2454,6 +2132,7 @@
               <a:rPr lang="zh-CN" altLang="en-US"/>
               <a:t>单击此处编辑母版标题样式</a:t>
             </a:r>
+            <a:endParaRPr lang="zh-CN" altLang="en-US"/>
           </a:p>
         </p:txBody>
       </p:sp>
@@ -2572,6 +2251,7 @@
               <a:rPr lang="zh-CN" altLang="en-US"/>
               <a:t>单击此处编辑母版副标题样式</a:t>
             </a:r>
+            <a:endParaRPr lang="zh-CN" altLang="en-US"/>
           </a:p>
         </p:txBody>
       </p:sp>
@@ -2592,7 +2272,6 @@
           <a:p>
             <a:fld id="{530820CF-B880-4189-942D-D702A7CBA730}" type="datetimeFigureOut">
               <a:rPr lang="zh-CN" altLang="en-US" smtClean="0"/>
-              <a:t>2018/12/16</a:t>
             </a:fld>
             <a:endParaRPr lang="zh-CN" altLang="en-US"/>
           </a:p>
@@ -2634,7 +2313,6 @@
           <a:p>
             <a:fld id="{0C913308-F349-4B6D-A68A-DD1791B4A57B}" type="slidenum">
               <a:rPr lang="zh-CN" altLang="en-US" smtClean="0"/>
-              <a:t>‹#›</a:t>
             </a:fld>
             <a:endParaRPr lang="zh-CN" altLang="en-US"/>
           </a:p>
@@ -2645,11 +2323,11 @@
   <p:clrMapOvr>
     <a:masterClrMapping/>
   </p:clrMapOvr>
-  <mc:AlternateContent xmlns:mc="http://schemas.openxmlformats.org/markup-compatibility/2006" xmlns:p14="http://schemas.microsoft.com/office/powerpoint/2010/main">
-    <mc:Choice Requires="p14">
+  <mc:AlternateContent xmlns:mc="http://schemas.openxmlformats.org/markup-compatibility/2006">
+    <mc:Choice xmlns:p14="http://schemas.microsoft.com/office/powerpoint/2010/main" Requires="p14">
       <p:transition p14:dur="0" advTm="0"/>
     </mc:Choice>
-    <mc:Fallback xmlns="">
+    <mc:Fallback>
       <p:transition advTm="0"/>
     </mc:Fallback>
   </mc:AlternateContent>
@@ -2701,6 +2379,7 @@
               <a:rPr lang="zh-CN" altLang="en-US"/>
               <a:t>单击此处编辑母版标题样式</a:t>
             </a:r>
+            <a:endParaRPr lang="zh-CN" altLang="en-US"/>
           </a:p>
         </p:txBody>
       </p:sp>
@@ -2827,6 +2506,7 @@
               <a:rPr lang="zh-CN" altLang="en-US"/>
               <a:t>单击此处编辑母版文本样式</a:t>
             </a:r>
+            <a:endParaRPr lang="zh-CN" altLang="en-US"/>
           </a:p>
         </p:txBody>
       </p:sp>
@@ -2847,7 +2527,6 @@
           <a:p>
             <a:fld id="{530820CF-B880-4189-942D-D702A7CBA730}" type="datetimeFigureOut">
               <a:rPr lang="zh-CN" altLang="en-US" smtClean="0"/>
-              <a:t>2018/12/16</a:t>
             </a:fld>
             <a:endParaRPr lang="zh-CN" altLang="en-US"/>
           </a:p>
@@ -2889,7 +2568,6 @@
           <a:p>
             <a:fld id="{0C913308-F349-4B6D-A68A-DD1791B4A57B}" type="slidenum">
               <a:rPr lang="zh-CN" altLang="en-US" smtClean="0"/>
-              <a:t>‹#›</a:t>
             </a:fld>
             <a:endParaRPr lang="zh-CN" altLang="en-US"/>
           </a:p>
@@ -2900,11 +2578,11 @@
   <p:clrMapOvr>
     <a:masterClrMapping/>
   </p:clrMapOvr>
-  <mc:AlternateContent xmlns:mc="http://schemas.openxmlformats.org/markup-compatibility/2006" xmlns:p14="http://schemas.microsoft.com/office/powerpoint/2010/main">
-    <mc:Choice Requires="p14">
+  <mc:AlternateContent xmlns:mc="http://schemas.openxmlformats.org/markup-compatibility/2006">
+    <mc:Choice xmlns:p14="http://schemas.microsoft.com/office/powerpoint/2010/main" Requires="p14">
       <p:transition p14:dur="0" advTm="0"/>
     </mc:Choice>
-    <mc:Fallback xmlns="">
+    <mc:Fallback>
       <p:transition advTm="0"/>
     </mc:Fallback>
   </mc:AlternateContent>
@@ -2947,6 +2625,7 @@
               <a:rPr lang="zh-CN" altLang="en-US"/>
               <a:t>单击此处编辑母版标题样式</a:t>
             </a:r>
+            <a:endParaRPr lang="zh-CN" altLang="en-US"/>
           </a:p>
         </p:txBody>
       </p:sp>
@@ -2970,6 +2649,7 @@
               <a:rPr lang="zh-CN" altLang="en-US"/>
               <a:t>单击此处编辑母版文本样式</a:t>
             </a:r>
+            <a:endParaRPr lang="zh-CN" altLang="en-US"/>
           </a:p>
           <a:p>
             <a:pPr lvl="1"/>
@@ -2977,6 +2657,7 @@
               <a:rPr lang="zh-CN" altLang="en-US"/>
               <a:t>第二级</a:t>
             </a:r>
+            <a:endParaRPr lang="zh-CN" altLang="en-US"/>
           </a:p>
           <a:p>
             <a:pPr lvl="2"/>
@@ -2984,6 +2665,7 @@
               <a:rPr lang="zh-CN" altLang="en-US"/>
               <a:t>第三级</a:t>
             </a:r>
+            <a:endParaRPr lang="zh-CN" altLang="en-US"/>
           </a:p>
           <a:p>
             <a:pPr lvl="3"/>
@@ -2991,6 +2673,7 @@
               <a:rPr lang="zh-CN" altLang="en-US"/>
               <a:t>第四级</a:t>
             </a:r>
+            <a:endParaRPr lang="zh-CN" altLang="en-US"/>
           </a:p>
           <a:p>
             <a:pPr lvl="4"/>
@@ -2998,6 +2681,7 @@
               <a:rPr lang="zh-CN" altLang="en-US"/>
               <a:t>第五级</a:t>
             </a:r>
+            <a:endParaRPr lang="zh-CN" altLang="en-US"/>
           </a:p>
         </p:txBody>
       </p:sp>
@@ -3018,7 +2702,6 @@
           <a:p>
             <a:fld id="{530820CF-B880-4189-942D-D702A7CBA730}" type="datetimeFigureOut">
               <a:rPr lang="zh-CN" altLang="en-US" smtClean="0"/>
-              <a:t>2018/12/16</a:t>
             </a:fld>
             <a:endParaRPr lang="zh-CN" altLang="en-US"/>
           </a:p>
@@ -3060,7 +2743,6 @@
           <a:p>
             <a:fld id="{0C913308-F349-4B6D-A68A-DD1791B4A57B}" type="slidenum">
               <a:rPr lang="zh-CN" altLang="en-US" smtClean="0"/>
-              <a:t>‹#›</a:t>
             </a:fld>
             <a:endParaRPr lang="zh-CN" altLang="en-US"/>
           </a:p>
@@ -3071,11 +2753,11 @@
   <p:clrMapOvr>
     <a:masterClrMapping/>
   </p:clrMapOvr>
-  <mc:AlternateContent xmlns:mc="http://schemas.openxmlformats.org/markup-compatibility/2006" xmlns:p14="http://schemas.microsoft.com/office/powerpoint/2010/main">
-    <mc:Choice Requires="p14">
+  <mc:AlternateContent xmlns:mc="http://schemas.openxmlformats.org/markup-compatibility/2006">
+    <mc:Choice xmlns:p14="http://schemas.microsoft.com/office/powerpoint/2010/main" Requires="p14">
       <p:transition p14:dur="0" advTm="0"/>
     </mc:Choice>
-    <mc:Fallback xmlns="">
+    <mc:Fallback>
       <p:transition advTm="0"/>
     </mc:Fallback>
   </mc:AlternateContent>
@@ -3123,6 +2805,7 @@
               <a:rPr lang="zh-CN" altLang="en-US"/>
               <a:t>单击此处编辑母版标题样式</a:t>
             </a:r>
+            <a:endParaRPr lang="zh-CN" altLang="en-US"/>
           </a:p>
         </p:txBody>
       </p:sp>
@@ -3151,6 +2834,7 @@
               <a:rPr lang="zh-CN" altLang="en-US"/>
               <a:t>单击此处编辑母版文本样式</a:t>
             </a:r>
+            <a:endParaRPr lang="zh-CN" altLang="en-US"/>
           </a:p>
           <a:p>
             <a:pPr lvl="1"/>
@@ -3158,6 +2842,7 @@
               <a:rPr lang="zh-CN" altLang="en-US"/>
               <a:t>第二级</a:t>
             </a:r>
+            <a:endParaRPr lang="zh-CN" altLang="en-US"/>
           </a:p>
           <a:p>
             <a:pPr lvl="2"/>
@@ -3165,6 +2850,7 @@
               <a:rPr lang="zh-CN" altLang="en-US"/>
               <a:t>第三级</a:t>
             </a:r>
+            <a:endParaRPr lang="zh-CN" altLang="en-US"/>
           </a:p>
           <a:p>
             <a:pPr lvl="3"/>
@@ -3172,6 +2858,7 @@
               <a:rPr lang="zh-CN" altLang="en-US"/>
               <a:t>第四级</a:t>
             </a:r>
+            <a:endParaRPr lang="zh-CN" altLang="en-US"/>
           </a:p>
           <a:p>
             <a:pPr lvl="4"/>
@@ -3179,6 +2866,7 @@
               <a:rPr lang="zh-CN" altLang="en-US"/>
               <a:t>第五级</a:t>
             </a:r>
+            <a:endParaRPr lang="zh-CN" altLang="en-US"/>
           </a:p>
         </p:txBody>
       </p:sp>
@@ -3199,7 +2887,6 @@
           <a:p>
             <a:fld id="{530820CF-B880-4189-942D-D702A7CBA730}" type="datetimeFigureOut">
               <a:rPr lang="zh-CN" altLang="en-US" smtClean="0"/>
-              <a:t>2018/12/16</a:t>
             </a:fld>
             <a:endParaRPr lang="zh-CN" altLang="en-US"/>
           </a:p>
@@ -3241,7 +2928,6 @@
           <a:p>
             <a:fld id="{0C913308-F349-4B6D-A68A-DD1791B4A57B}" type="slidenum">
               <a:rPr lang="zh-CN" altLang="en-US" smtClean="0"/>
-              <a:t>‹#›</a:t>
             </a:fld>
             <a:endParaRPr lang="zh-CN" altLang="en-US"/>
           </a:p>
@@ -3252,11 +2938,11 @@
   <p:clrMapOvr>
     <a:masterClrMapping/>
   </p:clrMapOvr>
-  <mc:AlternateContent xmlns:mc="http://schemas.openxmlformats.org/markup-compatibility/2006" xmlns:p14="http://schemas.microsoft.com/office/powerpoint/2010/main">
-    <mc:Choice Requires="p14">
+  <mc:AlternateContent xmlns:mc="http://schemas.openxmlformats.org/markup-compatibility/2006">
+    <mc:Choice xmlns:p14="http://schemas.microsoft.com/office/powerpoint/2010/main" Requires="p14">
       <p:transition p14:dur="0" advTm="0"/>
     </mc:Choice>
-    <mc:Fallback xmlns="">
+    <mc:Fallback>
       <p:transition advTm="0"/>
     </mc:Fallback>
   </mc:AlternateContent>
@@ -3300,13 +2986,12 @@
                   </a14:imgLayer>
                 </a14:imgProps>
               </a:ext>
-              <a:ext uri="{28A0092B-C50C-407E-A947-70E740481C1C}">
-                <a14:useLocalDpi xmlns:a14="http://schemas.microsoft.com/office/drawing/2010/main"/>
-              </a:ext>
             </a:extLst>
           </a:blip>
           <a:srcRect/>
-          <a:stretch/>
+          <a:stretch>
+            <a:fillRect/>
+          </a:stretch>
         </p:blipFill>
         <p:spPr>
           <a:xfrm>
@@ -3465,11 +3150,11 @@
   <p:clrMapOvr>
     <a:masterClrMapping/>
   </p:clrMapOvr>
-  <mc:AlternateContent xmlns:mc="http://schemas.openxmlformats.org/markup-compatibility/2006" xmlns:p14="http://schemas.microsoft.com/office/powerpoint/2010/main">
-    <mc:Choice Requires="p14">
+  <mc:AlternateContent xmlns:mc="http://schemas.openxmlformats.org/markup-compatibility/2006">
+    <mc:Choice xmlns:p14="http://schemas.microsoft.com/office/powerpoint/2010/main" Requires="p14">
       <p:transition p14:dur="0" advTm="0"/>
     </mc:Choice>
-    <mc:Fallback xmlns="">
+    <mc:Fallback>
       <p:transition advTm="0"/>
     </mc:Fallback>
   </mc:AlternateContent>
@@ -3513,13 +3198,12 @@
                   </a14:imgLayer>
                 </a14:imgProps>
               </a:ext>
-              <a:ext uri="{28A0092B-C50C-407E-A947-70E740481C1C}">
-                <a14:useLocalDpi xmlns:a14="http://schemas.microsoft.com/office/drawing/2010/main"/>
-              </a:ext>
             </a:extLst>
           </a:blip>
           <a:srcRect/>
-          <a:stretch/>
+          <a:stretch>
+            <a:fillRect/>
+          </a:stretch>
         </p:blipFill>
         <p:spPr>
           <a:xfrm>
@@ -3532,20 +3216,15 @@
         </p:spPr>
       </p:pic>
     </p:spTree>
-    <p:extLst>
-      <p:ext uri="{BB962C8B-B14F-4D97-AF65-F5344CB8AC3E}">
-        <p14:creationId xmlns:p14="http://schemas.microsoft.com/office/powerpoint/2010/main" val="983114887"/>
-      </p:ext>
-    </p:extLst>
   </p:cSld>
   <p:clrMapOvr>
     <a:masterClrMapping/>
   </p:clrMapOvr>
-  <mc:AlternateContent xmlns:mc="http://schemas.openxmlformats.org/markup-compatibility/2006" xmlns:p14="http://schemas.microsoft.com/office/powerpoint/2010/main">
-    <mc:Choice Requires="p14">
+  <mc:AlternateContent xmlns:mc="http://schemas.openxmlformats.org/markup-compatibility/2006">
+    <mc:Choice xmlns:p14="http://schemas.microsoft.com/office/powerpoint/2010/main" Requires="p14">
       <p:transition p14:dur="0" advTm="0"/>
     </mc:Choice>
-    <mc:Fallback xmlns="">
+    <mc:Fallback>
       <p:transition advTm="0"/>
     </mc:Fallback>
   </mc:AlternateContent>
@@ -3597,6 +3276,7 @@
               <a:rPr lang="zh-CN" altLang="en-US"/>
               <a:t>单击此处编辑母版标题样式</a:t>
             </a:r>
+            <a:endParaRPr lang="zh-CN" altLang="en-US"/>
           </a:p>
         </p:txBody>
       </p:sp>
@@ -3716,6 +3396,7 @@
               <a:rPr lang="zh-CN" altLang="en-US"/>
               <a:t>单击此处编辑母版文本样式</a:t>
             </a:r>
+            <a:endParaRPr lang="zh-CN" altLang="en-US"/>
           </a:p>
         </p:txBody>
       </p:sp>
@@ -3736,7 +3417,6 @@
           <a:p>
             <a:fld id="{530820CF-B880-4189-942D-D702A7CBA730}" type="datetimeFigureOut">
               <a:rPr lang="zh-CN" altLang="en-US" smtClean="0"/>
-              <a:t>2018/12/16</a:t>
             </a:fld>
             <a:endParaRPr lang="zh-CN" altLang="en-US"/>
           </a:p>
@@ -3778,7 +3458,6 @@
           <a:p>
             <a:fld id="{0C913308-F349-4B6D-A68A-DD1791B4A57B}" type="slidenum">
               <a:rPr lang="zh-CN" altLang="en-US" smtClean="0"/>
-              <a:t>‹#›</a:t>
             </a:fld>
             <a:endParaRPr lang="zh-CN" altLang="en-US"/>
           </a:p>
@@ -3789,11 +3468,11 @@
   <p:clrMapOvr>
     <a:masterClrMapping/>
   </p:clrMapOvr>
-  <mc:AlternateContent xmlns:mc="http://schemas.openxmlformats.org/markup-compatibility/2006" xmlns:p14="http://schemas.microsoft.com/office/powerpoint/2010/main">
-    <mc:Choice Requires="p14">
+  <mc:AlternateContent xmlns:mc="http://schemas.openxmlformats.org/markup-compatibility/2006">
+    <mc:Choice xmlns:p14="http://schemas.microsoft.com/office/powerpoint/2010/main" Requires="p14">
       <p:transition p14:dur="0" advTm="0"/>
     </mc:Choice>
-    <mc:Fallback xmlns="">
+    <mc:Fallback>
       <p:transition advTm="0"/>
     </mc:Fallback>
   </mc:AlternateContent>
@@ -3836,6 +3515,7 @@
               <a:rPr lang="zh-CN" altLang="en-US"/>
               <a:t>单击此处编辑母版标题样式</a:t>
             </a:r>
+            <a:endParaRPr lang="zh-CN" altLang="en-US"/>
           </a:p>
         </p:txBody>
       </p:sp>
@@ -3892,6 +3572,7 @@
               <a:rPr lang="zh-CN" altLang="en-US"/>
               <a:t>单击此处编辑母版文本样式</a:t>
             </a:r>
+            <a:endParaRPr lang="zh-CN" altLang="en-US"/>
           </a:p>
           <a:p>
             <a:pPr lvl="1"/>
@@ -3899,6 +3580,7 @@
               <a:rPr lang="zh-CN" altLang="en-US"/>
               <a:t>第二级</a:t>
             </a:r>
+            <a:endParaRPr lang="zh-CN" altLang="en-US"/>
           </a:p>
           <a:p>
             <a:pPr lvl="2"/>
@@ -3906,6 +3588,7 @@
               <a:rPr lang="zh-CN" altLang="en-US"/>
               <a:t>第三级</a:t>
             </a:r>
+            <a:endParaRPr lang="zh-CN" altLang="en-US"/>
           </a:p>
           <a:p>
             <a:pPr lvl="3"/>
@@ -3913,6 +3596,7 @@
               <a:rPr lang="zh-CN" altLang="en-US"/>
               <a:t>第四级</a:t>
             </a:r>
+            <a:endParaRPr lang="zh-CN" altLang="en-US"/>
           </a:p>
           <a:p>
             <a:pPr lvl="4"/>
@@ -3920,6 +3604,7 @@
               <a:rPr lang="zh-CN" altLang="en-US"/>
               <a:t>第五级</a:t>
             </a:r>
+            <a:endParaRPr lang="zh-CN" altLang="en-US"/>
           </a:p>
         </p:txBody>
       </p:sp>
@@ -3976,6 +3661,7 @@
               <a:rPr lang="zh-CN" altLang="en-US"/>
               <a:t>单击此处编辑母版文本样式</a:t>
             </a:r>
+            <a:endParaRPr lang="zh-CN" altLang="en-US"/>
           </a:p>
           <a:p>
             <a:pPr lvl="1"/>
@@ -3983,6 +3669,7 @@
               <a:rPr lang="zh-CN" altLang="en-US"/>
               <a:t>第二级</a:t>
             </a:r>
+            <a:endParaRPr lang="zh-CN" altLang="en-US"/>
           </a:p>
           <a:p>
             <a:pPr lvl="2"/>
@@ -3990,6 +3677,7 @@
               <a:rPr lang="zh-CN" altLang="en-US"/>
               <a:t>第三级</a:t>
             </a:r>
+            <a:endParaRPr lang="zh-CN" altLang="en-US"/>
           </a:p>
           <a:p>
             <a:pPr lvl="3"/>
@@ -3997,6 +3685,7 @@
               <a:rPr lang="zh-CN" altLang="en-US"/>
               <a:t>第四级</a:t>
             </a:r>
+            <a:endParaRPr lang="zh-CN" altLang="en-US"/>
           </a:p>
           <a:p>
             <a:pPr lvl="4"/>
@@ -4004,6 +3693,7 @@
               <a:rPr lang="zh-CN" altLang="en-US"/>
               <a:t>第五级</a:t>
             </a:r>
+            <a:endParaRPr lang="zh-CN" altLang="en-US"/>
           </a:p>
         </p:txBody>
       </p:sp>
@@ -4024,7 +3714,6 @@
           <a:p>
             <a:fld id="{530820CF-B880-4189-942D-D702A7CBA730}" type="datetimeFigureOut">
               <a:rPr lang="zh-CN" altLang="en-US" smtClean="0"/>
-              <a:t>2018/12/16</a:t>
             </a:fld>
             <a:endParaRPr lang="zh-CN" altLang="en-US"/>
           </a:p>
@@ -4066,7 +3755,6 @@
           <a:p>
             <a:fld id="{0C913308-F349-4B6D-A68A-DD1791B4A57B}" type="slidenum">
               <a:rPr lang="zh-CN" altLang="en-US" smtClean="0"/>
-              <a:t>‹#›</a:t>
             </a:fld>
             <a:endParaRPr lang="zh-CN" altLang="en-US"/>
           </a:p>
@@ -4077,11 +3765,11 @@
   <p:clrMapOvr>
     <a:masterClrMapping/>
   </p:clrMapOvr>
-  <mc:AlternateContent xmlns:mc="http://schemas.openxmlformats.org/markup-compatibility/2006" xmlns:p14="http://schemas.microsoft.com/office/powerpoint/2010/main">
-    <mc:Choice Requires="p14">
+  <mc:AlternateContent xmlns:mc="http://schemas.openxmlformats.org/markup-compatibility/2006">
+    <mc:Choice xmlns:p14="http://schemas.microsoft.com/office/powerpoint/2010/main" Requires="p14">
       <p:transition p14:dur="0" advTm="0"/>
     </mc:Choice>
-    <mc:Fallback xmlns="">
+    <mc:Fallback>
       <p:transition advTm="0"/>
     </mc:Fallback>
   </mc:AlternateContent>
@@ -4128,6 +3816,7 @@
               <a:rPr lang="zh-CN" altLang="en-US"/>
               <a:t>单击此处编辑母版标题样式</a:t>
             </a:r>
+            <a:endParaRPr lang="zh-CN" altLang="en-US"/>
           </a:p>
         </p:txBody>
       </p:sp>
@@ -4193,6 +3882,7 @@
               <a:rPr lang="zh-CN" altLang="en-US"/>
               <a:t>单击此处编辑母版文本样式</a:t>
             </a:r>
+            <a:endParaRPr lang="zh-CN" altLang="en-US"/>
           </a:p>
         </p:txBody>
       </p:sp>
@@ -4249,6 +3939,7 @@
               <a:rPr lang="zh-CN" altLang="en-US"/>
               <a:t>单击此处编辑母版文本样式</a:t>
             </a:r>
+            <a:endParaRPr lang="zh-CN" altLang="en-US"/>
           </a:p>
           <a:p>
             <a:pPr lvl="1"/>
@@ -4256,6 +3947,7 @@
               <a:rPr lang="zh-CN" altLang="en-US"/>
               <a:t>第二级</a:t>
             </a:r>
+            <a:endParaRPr lang="zh-CN" altLang="en-US"/>
           </a:p>
           <a:p>
             <a:pPr lvl="2"/>
@@ -4263,6 +3955,7 @@
               <a:rPr lang="zh-CN" altLang="en-US"/>
               <a:t>第三级</a:t>
             </a:r>
+            <a:endParaRPr lang="zh-CN" altLang="en-US"/>
           </a:p>
           <a:p>
             <a:pPr lvl="3"/>
@@ -4270,6 +3963,7 @@
               <a:rPr lang="zh-CN" altLang="en-US"/>
               <a:t>第四级</a:t>
             </a:r>
+            <a:endParaRPr lang="zh-CN" altLang="en-US"/>
           </a:p>
           <a:p>
             <a:pPr lvl="4"/>
@@ -4277,6 +3971,7 @@
               <a:rPr lang="zh-CN" altLang="en-US"/>
               <a:t>第五级</a:t>
             </a:r>
+            <a:endParaRPr lang="zh-CN" altLang="en-US"/>
           </a:p>
         </p:txBody>
       </p:sp>
@@ -4342,6 +4037,7 @@
               <a:rPr lang="zh-CN" altLang="en-US"/>
               <a:t>单击此处编辑母版文本样式</a:t>
             </a:r>
+            <a:endParaRPr lang="zh-CN" altLang="en-US"/>
           </a:p>
         </p:txBody>
       </p:sp>
@@ -4398,6 +4094,7 @@
               <a:rPr lang="zh-CN" altLang="en-US"/>
               <a:t>单击此处编辑母版文本样式</a:t>
             </a:r>
+            <a:endParaRPr lang="zh-CN" altLang="en-US"/>
           </a:p>
           <a:p>
             <a:pPr lvl="1"/>
@@ -4405,6 +4102,7 @@
               <a:rPr lang="zh-CN" altLang="en-US"/>
               <a:t>第二级</a:t>
             </a:r>
+            <a:endParaRPr lang="zh-CN" altLang="en-US"/>
           </a:p>
           <a:p>
             <a:pPr lvl="2"/>
@@ -4412,6 +4110,7 @@
               <a:rPr lang="zh-CN" altLang="en-US"/>
               <a:t>第三级</a:t>
             </a:r>
+            <a:endParaRPr lang="zh-CN" altLang="en-US"/>
           </a:p>
           <a:p>
             <a:pPr lvl="3"/>
@@ -4419,6 +4118,7 @@
               <a:rPr lang="zh-CN" altLang="en-US"/>
               <a:t>第四级</a:t>
             </a:r>
+            <a:endParaRPr lang="zh-CN" altLang="en-US"/>
           </a:p>
           <a:p>
             <a:pPr lvl="4"/>
@@ -4426,6 +4126,7 @@
               <a:rPr lang="zh-CN" altLang="en-US"/>
               <a:t>第五级</a:t>
             </a:r>
+            <a:endParaRPr lang="zh-CN" altLang="en-US"/>
           </a:p>
         </p:txBody>
       </p:sp>
@@ -4446,7 +4147,6 @@
           <a:p>
             <a:fld id="{530820CF-B880-4189-942D-D702A7CBA730}" type="datetimeFigureOut">
               <a:rPr lang="zh-CN" altLang="en-US" smtClean="0"/>
-              <a:t>2018/12/16</a:t>
             </a:fld>
             <a:endParaRPr lang="zh-CN" altLang="en-US"/>
           </a:p>
@@ -4488,7 +4188,6 @@
           <a:p>
             <a:fld id="{0C913308-F349-4B6D-A68A-DD1791B4A57B}" type="slidenum">
               <a:rPr lang="zh-CN" altLang="en-US" smtClean="0"/>
-              <a:t>‹#›</a:t>
             </a:fld>
             <a:endParaRPr lang="zh-CN" altLang="en-US"/>
           </a:p>
@@ -4499,11 +4198,11 @@
   <p:clrMapOvr>
     <a:masterClrMapping/>
   </p:clrMapOvr>
-  <mc:AlternateContent xmlns:mc="http://schemas.openxmlformats.org/markup-compatibility/2006" xmlns:p14="http://schemas.microsoft.com/office/powerpoint/2010/main">
-    <mc:Choice Requires="p14">
+  <mc:AlternateContent xmlns:mc="http://schemas.openxmlformats.org/markup-compatibility/2006">
+    <mc:Choice xmlns:p14="http://schemas.microsoft.com/office/powerpoint/2010/main" Requires="p14">
       <p:transition p14:dur="0" advTm="0"/>
     </mc:Choice>
-    <mc:Fallback xmlns="">
+    <mc:Fallback>
       <p:transition advTm="0"/>
     </mc:Fallback>
   </mc:AlternateContent>
@@ -4546,6 +4245,7 @@
               <a:rPr lang="zh-CN" altLang="en-US"/>
               <a:t>单击此处编辑母版标题样式</a:t>
             </a:r>
+            <a:endParaRPr lang="zh-CN" altLang="en-US"/>
           </a:p>
         </p:txBody>
       </p:sp>
@@ -4566,7 +4266,6 @@
           <a:p>
             <a:fld id="{530820CF-B880-4189-942D-D702A7CBA730}" type="datetimeFigureOut">
               <a:rPr lang="zh-CN" altLang="en-US" smtClean="0"/>
-              <a:t>2018/12/16</a:t>
             </a:fld>
             <a:endParaRPr lang="zh-CN" altLang="en-US"/>
           </a:p>
@@ -4608,7 +4307,6 @@
           <a:p>
             <a:fld id="{0C913308-F349-4B6D-A68A-DD1791B4A57B}" type="slidenum">
               <a:rPr lang="zh-CN" altLang="en-US" smtClean="0"/>
-              <a:t>‹#›</a:t>
             </a:fld>
             <a:endParaRPr lang="zh-CN" altLang="en-US"/>
           </a:p>
@@ -4619,11 +4317,11 @@
   <p:clrMapOvr>
     <a:masterClrMapping/>
   </p:clrMapOvr>
-  <mc:AlternateContent xmlns:mc="http://schemas.openxmlformats.org/markup-compatibility/2006" xmlns:p14="http://schemas.microsoft.com/office/powerpoint/2010/main">
-    <mc:Choice Requires="p14">
+  <mc:AlternateContent xmlns:mc="http://schemas.openxmlformats.org/markup-compatibility/2006">
+    <mc:Choice xmlns:p14="http://schemas.microsoft.com/office/powerpoint/2010/main" Requires="p14">
       <p:transition p14:dur="0" advTm="0"/>
     </mc:Choice>
-    <mc:Fallback xmlns="">
+    <mc:Fallback>
       <p:transition advTm="0"/>
     </mc:Fallback>
   </mc:AlternateContent>
@@ -4664,7 +4362,6 @@
           <a:p>
             <a:fld id="{530820CF-B880-4189-942D-D702A7CBA730}" type="datetimeFigureOut">
               <a:rPr lang="zh-CN" altLang="en-US" smtClean="0"/>
-              <a:t>2018/12/16</a:t>
             </a:fld>
             <a:endParaRPr lang="zh-CN" altLang="en-US"/>
           </a:p>
@@ -4706,7 +4403,6 @@
           <a:p>
             <a:fld id="{0C913308-F349-4B6D-A68A-DD1791B4A57B}" type="slidenum">
               <a:rPr lang="zh-CN" altLang="en-US" smtClean="0"/>
-              <a:t>‹#›</a:t>
             </a:fld>
             <a:endParaRPr lang="zh-CN" altLang="en-US"/>
           </a:p>
@@ -4717,11 +4413,11 @@
   <p:clrMapOvr>
     <a:masterClrMapping/>
   </p:clrMapOvr>
-  <mc:AlternateContent xmlns:mc="http://schemas.openxmlformats.org/markup-compatibility/2006" xmlns:p14="http://schemas.microsoft.com/office/powerpoint/2010/main">
-    <mc:Choice Requires="p14">
+  <mc:AlternateContent xmlns:mc="http://schemas.openxmlformats.org/markup-compatibility/2006">
+    <mc:Choice xmlns:p14="http://schemas.microsoft.com/office/powerpoint/2010/main" Requires="p14">
       <p:transition p14:dur="0" advTm="0"/>
     </mc:Choice>
-    <mc:Fallback xmlns="">
+    <mc:Fallback>
       <p:transition advTm="0"/>
     </mc:Fallback>
   </mc:AlternateContent>
@@ -4773,6 +4469,7 @@
               <a:rPr lang="zh-CN" altLang="en-US"/>
               <a:t>单击此处编辑母版标题样式</a:t>
             </a:r>
+            <a:endParaRPr lang="zh-CN" altLang="en-US"/>
           </a:p>
         </p:txBody>
       </p:sp>
@@ -4829,6 +4526,7 @@
               <a:rPr lang="zh-CN" altLang="en-US"/>
               <a:t>单击此处编辑母版文本样式</a:t>
             </a:r>
+            <a:endParaRPr lang="zh-CN" altLang="en-US"/>
           </a:p>
           <a:p>
             <a:pPr lvl="1"/>
@@ -4836,6 +4534,7 @@
               <a:rPr lang="zh-CN" altLang="en-US"/>
               <a:t>第二级</a:t>
             </a:r>
+            <a:endParaRPr lang="zh-CN" altLang="en-US"/>
           </a:p>
           <a:p>
             <a:pPr lvl="2"/>
@@ -4843,6 +4542,7 @@
               <a:rPr lang="zh-CN" altLang="en-US"/>
               <a:t>第三级</a:t>
             </a:r>
+            <a:endParaRPr lang="zh-CN" altLang="en-US"/>
           </a:p>
           <a:p>
             <a:pPr lvl="3"/>
@@ -4850,6 +4550,7 @@
               <a:rPr lang="zh-CN" altLang="en-US"/>
               <a:t>第四级</a:t>
             </a:r>
+            <a:endParaRPr lang="zh-CN" altLang="en-US"/>
           </a:p>
           <a:p>
             <a:pPr lvl="4"/>
@@ -4857,6 +4558,7 @@
               <a:rPr lang="zh-CN" altLang="en-US"/>
               <a:t>第五级</a:t>
             </a:r>
+            <a:endParaRPr lang="zh-CN" altLang="en-US"/>
           </a:p>
         </p:txBody>
       </p:sp>
@@ -4922,6 +4624,7 @@
               <a:rPr lang="zh-CN" altLang="en-US"/>
               <a:t>单击此处编辑母版文本样式</a:t>
             </a:r>
+            <a:endParaRPr lang="zh-CN" altLang="en-US"/>
           </a:p>
         </p:txBody>
       </p:sp>
@@ -4942,7 +4645,6 @@
           <a:p>
             <a:fld id="{530820CF-B880-4189-942D-D702A7CBA730}" type="datetimeFigureOut">
               <a:rPr lang="zh-CN" altLang="en-US" smtClean="0"/>
-              <a:t>2018/12/16</a:t>
             </a:fld>
             <a:endParaRPr lang="zh-CN" altLang="en-US"/>
           </a:p>
@@ -4984,7 +4686,6 @@
           <a:p>
             <a:fld id="{0C913308-F349-4B6D-A68A-DD1791B4A57B}" type="slidenum">
               <a:rPr lang="zh-CN" altLang="en-US" smtClean="0"/>
-              <a:t>‹#›</a:t>
             </a:fld>
             <a:endParaRPr lang="zh-CN" altLang="en-US"/>
           </a:p>
@@ -4995,11 +4696,11 @@
   <p:clrMapOvr>
     <a:masterClrMapping/>
   </p:clrMapOvr>
-  <mc:AlternateContent xmlns:mc="http://schemas.openxmlformats.org/markup-compatibility/2006" xmlns:p14="http://schemas.microsoft.com/office/powerpoint/2010/main">
-    <mc:Choice Requires="p14">
+  <mc:AlternateContent xmlns:mc="http://schemas.openxmlformats.org/markup-compatibility/2006">
+    <mc:Choice xmlns:p14="http://schemas.microsoft.com/office/powerpoint/2010/main" Requires="p14">
       <p:transition p14:dur="0" advTm="0"/>
     </mc:Choice>
-    <mc:Fallback xmlns="">
+    <mc:Fallback>
       <p:transition advTm="0"/>
     </mc:Fallback>
   </mc:AlternateContent>
@@ -5057,6 +4758,7 @@
               <a:rPr lang="zh-CN" altLang="en-US"/>
               <a:t>单击此处编辑母版标题样式</a:t>
             </a:r>
+            <a:endParaRPr lang="zh-CN" altLang="en-US"/>
           </a:p>
         </p:txBody>
       </p:sp>
@@ -5090,6 +4792,7 @@
               <a:rPr lang="zh-CN" altLang="en-US"/>
               <a:t>单击此处编辑母版文本样式</a:t>
             </a:r>
+            <a:endParaRPr lang="zh-CN" altLang="en-US"/>
           </a:p>
           <a:p>
             <a:pPr lvl="1"/>
@@ -5097,6 +4800,7 @@
               <a:rPr lang="zh-CN" altLang="en-US"/>
               <a:t>第二级</a:t>
             </a:r>
+            <a:endParaRPr lang="zh-CN" altLang="en-US"/>
           </a:p>
           <a:p>
             <a:pPr lvl="2"/>
@@ -5104,6 +4808,7 @@
               <a:rPr lang="zh-CN" altLang="en-US"/>
               <a:t>第三级</a:t>
             </a:r>
+            <a:endParaRPr lang="zh-CN" altLang="en-US"/>
           </a:p>
           <a:p>
             <a:pPr lvl="3"/>
@@ -5111,6 +4816,7 @@
               <a:rPr lang="zh-CN" altLang="en-US"/>
               <a:t>第四级</a:t>
             </a:r>
+            <a:endParaRPr lang="zh-CN" altLang="en-US"/>
           </a:p>
           <a:p>
             <a:pPr lvl="4"/>
@@ -5118,6 +4824,7 @@
               <a:rPr lang="zh-CN" altLang="en-US"/>
               <a:t>第五级</a:t>
             </a:r>
+            <a:endParaRPr lang="zh-CN" altLang="en-US"/>
           </a:p>
         </p:txBody>
       </p:sp>
@@ -5156,7 +4863,6 @@
           <a:p>
             <a:fld id="{530820CF-B880-4189-942D-D702A7CBA730}" type="datetimeFigureOut">
               <a:rPr lang="zh-CN" altLang="en-US" smtClean="0"/>
-              <a:t>2018/12/16</a:t>
             </a:fld>
             <a:endParaRPr lang="zh-CN" altLang="en-US"/>
           </a:p>
@@ -5234,7 +4940,6 @@
           <a:p>
             <a:fld id="{0C913308-F349-4B6D-A68A-DD1791B4A57B}" type="slidenum">
               <a:rPr lang="zh-CN" altLang="en-US" smtClean="0"/>
-              <a:t>‹#›</a:t>
             </a:fld>
             <a:endParaRPr lang="zh-CN" altLang="en-US"/>
           </a:p>
@@ -5246,22 +4951,22 @@
   <p:sldLayoutIdLst>
     <p:sldLayoutId id="2147483649" r:id="rId1"/>
     <p:sldLayoutId id="2147483650" r:id="rId2"/>
-    <p:sldLayoutId id="2147483660" r:id="rId3"/>
-    <p:sldLayoutId id="2147483651" r:id="rId4"/>
-    <p:sldLayoutId id="2147483652" r:id="rId5"/>
-    <p:sldLayoutId id="2147483653" r:id="rId6"/>
-    <p:sldLayoutId id="2147483654" r:id="rId7"/>
-    <p:sldLayoutId id="2147483655" r:id="rId8"/>
-    <p:sldLayoutId id="2147483656" r:id="rId9"/>
-    <p:sldLayoutId id="2147483657" r:id="rId10"/>
-    <p:sldLayoutId id="2147483658" r:id="rId11"/>
-    <p:sldLayoutId id="2147483659" r:id="rId12"/>
+    <p:sldLayoutId id="2147483651" r:id="rId3"/>
+    <p:sldLayoutId id="2147483652" r:id="rId4"/>
+    <p:sldLayoutId id="2147483653" r:id="rId5"/>
+    <p:sldLayoutId id="2147483654" r:id="rId6"/>
+    <p:sldLayoutId id="2147483655" r:id="rId7"/>
+    <p:sldLayoutId id="2147483656" r:id="rId8"/>
+    <p:sldLayoutId id="2147483657" r:id="rId9"/>
+    <p:sldLayoutId id="2147483658" r:id="rId10"/>
+    <p:sldLayoutId id="2147483659" r:id="rId11"/>
+    <p:sldLayoutId id="2147483660" r:id="rId12"/>
   </p:sldLayoutIdLst>
-  <mc:AlternateContent xmlns:mc="http://schemas.openxmlformats.org/markup-compatibility/2006" xmlns:p14="http://schemas.microsoft.com/office/powerpoint/2010/main">
-    <mc:Choice Requires="p14">
+  <mc:AlternateContent xmlns:mc="http://schemas.openxmlformats.org/markup-compatibility/2006">
+    <mc:Choice xmlns:p14="http://schemas.microsoft.com/office/powerpoint/2010/main" Requires="p14">
       <p:transition p14:dur="0" advTm="0"/>
     </mc:Choice>
-    <mc:Fallback xmlns="">
+    <mc:Fallback>
       <p:transition advTm="0"/>
     </mc:Fallback>
   </mc:AlternateContent>
@@ -5287,7 +4992,7 @@
         <a:spcBef>
           <a:spcPct val="20000"/>
         </a:spcBef>
-        <a:buFont typeface="Arial" pitchFamily="34" charset="0"/>
+        <a:buFont typeface="Arial" panose="02080604020202020204" pitchFamily="34" charset="0"/>
         <a:buChar char="•"/>
         <a:defRPr sz="3200" kern="1200">
           <a:solidFill>
@@ -5302,7 +5007,7 @@
         <a:spcBef>
           <a:spcPct val="20000"/>
         </a:spcBef>
-        <a:buFont typeface="Arial" pitchFamily="34" charset="0"/>
+        <a:buFont typeface="Arial" panose="02080604020202020204" pitchFamily="34" charset="0"/>
         <a:buChar char="–"/>
         <a:defRPr sz="2800" kern="1200">
           <a:solidFill>
@@ -5317,7 +5022,7 @@
         <a:spcBef>
           <a:spcPct val="20000"/>
         </a:spcBef>
-        <a:buFont typeface="Arial" pitchFamily="34" charset="0"/>
+        <a:buFont typeface="Arial" panose="02080604020202020204" pitchFamily="34" charset="0"/>
         <a:buChar char="•"/>
         <a:defRPr sz="2400" kern="1200">
           <a:solidFill>
@@ -5332,7 +5037,7 @@
         <a:spcBef>
           <a:spcPct val="20000"/>
         </a:spcBef>
-        <a:buFont typeface="Arial" pitchFamily="34" charset="0"/>
+        <a:buFont typeface="Arial" panose="02080604020202020204" pitchFamily="34" charset="0"/>
         <a:buChar char="–"/>
         <a:defRPr sz="2000" kern="1200">
           <a:solidFill>
@@ -5347,7 +5052,7 @@
         <a:spcBef>
           <a:spcPct val="20000"/>
         </a:spcBef>
-        <a:buFont typeface="Arial" pitchFamily="34" charset="0"/>
+        <a:buFont typeface="Arial" panose="02080604020202020204" pitchFamily="34" charset="0"/>
         <a:buChar char="»"/>
         <a:defRPr sz="2000" kern="1200">
           <a:solidFill>
@@ -5362,7 +5067,7 @@
         <a:spcBef>
           <a:spcPct val="20000"/>
         </a:spcBef>
-        <a:buFont typeface="Arial" pitchFamily="34" charset="0"/>
+        <a:buFont typeface="Arial" panose="02080604020202020204" pitchFamily="34" charset="0"/>
         <a:buChar char="•"/>
         <a:defRPr sz="2000" kern="1200">
           <a:solidFill>
@@ -5377,7 +5082,7 @@
         <a:spcBef>
           <a:spcPct val="20000"/>
         </a:spcBef>
-        <a:buFont typeface="Arial" pitchFamily="34" charset="0"/>
+        <a:buFont typeface="Arial" panose="02080604020202020204" pitchFamily="34" charset="0"/>
         <a:buChar char="•"/>
         <a:defRPr sz="2000" kern="1200">
           <a:solidFill>
@@ -5392,7 +5097,7 @@
         <a:spcBef>
           <a:spcPct val="20000"/>
         </a:spcBef>
-        <a:buFont typeface="Arial" pitchFamily="34" charset="0"/>
+        <a:buFont typeface="Arial" panose="02080604020202020204" pitchFamily="34" charset="0"/>
         <a:buChar char="•"/>
         <a:defRPr sz="2000" kern="1200">
           <a:solidFill>
@@ -5407,7 +5112,7 @@
         <a:spcBef>
           <a:spcPct val="20000"/>
         </a:spcBef>
-        <a:buFont typeface="Arial" pitchFamily="34" charset="0"/>
+        <a:buFont typeface="Arial" panose="02080604020202020204" pitchFamily="34" charset="0"/>
         <a:buChar char="•"/>
         <a:defRPr sz="2000" kern="1200">
           <a:solidFill>
@@ -5538,9 +5243,7 @@
       <p:sp>
         <p:nvSpPr>
           <p:cNvPr id="29" name="Text Placeholder 12"/>
-          <p:cNvSpPr txBox="1">
-            <a:spLocks/>
-          </p:cNvSpPr>
+          <p:cNvSpPr txBox="1"/>
           <p:nvPr/>
         </p:nvSpPr>
         <p:spPr>
@@ -5752,28 +5455,28 @@
               <a:gd name="connsiteY3" fmla="*/ 2158466 h 2158466"/>
               <a:gd name="connsiteX4" fmla="*/ 0 w 2393156"/>
               <a:gd name="connsiteY4" fmla="*/ 0 h 2158466"/>
-              <a:gd name="connsiteX0" fmla="*/ 0 w 2393156"/>
-              <a:gd name="connsiteY0" fmla="*/ 0 h 2158466"/>
-              <a:gd name="connsiteX1" fmla="*/ 2393156 w 2393156"/>
-              <a:gd name="connsiteY1" fmla="*/ 0 h 2158466"/>
-              <a:gd name="connsiteX2" fmla="*/ 0 w 2393156"/>
-              <a:gd name="connsiteY2" fmla="*/ 2158466 h 2158466"/>
-              <a:gd name="connsiteX3" fmla="*/ 0 w 2393156"/>
-              <a:gd name="connsiteY3" fmla="*/ 0 h 2158466"/>
+              <a:gd name="connsiteX0-1" fmla="*/ 0 w 2393156"/>
+              <a:gd name="connsiteY0-2" fmla="*/ 0 h 2158466"/>
+              <a:gd name="connsiteX1-3" fmla="*/ 2393156 w 2393156"/>
+              <a:gd name="connsiteY1-4" fmla="*/ 0 h 2158466"/>
+              <a:gd name="connsiteX2-5" fmla="*/ 0 w 2393156"/>
+              <a:gd name="connsiteY2-6" fmla="*/ 2158466 h 2158466"/>
+              <a:gd name="connsiteX3-7" fmla="*/ 0 w 2393156"/>
+              <a:gd name="connsiteY3-8" fmla="*/ 0 h 2158466"/>
             </a:gdLst>
             <a:ahLst/>
             <a:cxnLst>
               <a:cxn ang="0">
-                <a:pos x="connsiteX0" y="connsiteY0"/>
+                <a:pos x="connsiteX0-1" y="connsiteY0-2"/>
               </a:cxn>
               <a:cxn ang="0">
-                <a:pos x="connsiteX1" y="connsiteY1"/>
+                <a:pos x="connsiteX1-3" y="connsiteY1-4"/>
               </a:cxn>
               <a:cxn ang="0">
-                <a:pos x="connsiteX2" y="connsiteY2"/>
+                <a:pos x="connsiteX2-5" y="connsiteY2-6"/>
               </a:cxn>
               <a:cxn ang="0">
-                <a:pos x="connsiteX3" y="connsiteY3"/>
+                <a:pos x="connsiteX3-7" y="connsiteY3-8"/>
               </a:cxn>
             </a:cxnLst>
             <a:rect l="l" t="t" r="r" b="b"/>
@@ -5879,7 +5582,7 @@
           <p:nvPr/>
         </p:nvPicPr>
         <p:blipFill>
-          <a:blip r:embed="rId3" cstate="print">
+          <a:blip r:embed="rId1" cstate="print">
             <a:extLst>
               <a:ext uri="{28A0092B-C50C-407E-A947-70E740481C1C}">
                 <a14:useLocalDpi xmlns:a14="http://schemas.microsoft.com/office/drawing/2010/main" val="0"/>
@@ -6065,20 +5768,15 @@
         </p:txBody>
       </p:sp>
     </p:spTree>
-    <p:extLst>
-      <p:ext uri="{BB962C8B-B14F-4D97-AF65-F5344CB8AC3E}">
-        <p14:creationId xmlns:p14="http://schemas.microsoft.com/office/powerpoint/2010/main" val="1870577901"/>
-      </p:ext>
-    </p:extLst>
   </p:cSld>
   <p:clrMapOvr>
     <a:masterClrMapping/>
   </p:clrMapOvr>
-  <mc:AlternateContent xmlns:mc="http://schemas.openxmlformats.org/markup-compatibility/2006" xmlns:p14="http://schemas.microsoft.com/office/powerpoint/2010/main">
-    <mc:Choice Requires="p14">
+  <mc:AlternateContent xmlns:mc="http://schemas.openxmlformats.org/markup-compatibility/2006">
+    <mc:Choice xmlns:p14="http://schemas.microsoft.com/office/powerpoint/2010/main" Requires="p14">
       <p:transition p14:dur="0" advTm="0"/>
     </mc:Choice>
-    <mc:Fallback xmlns="">
+    <mc:Fallback>
       <p:transition advTm="0"/>
     </mc:Fallback>
   </mc:AlternateContent>
@@ -6105,9 +5803,7 @@
       <p:sp>
         <p:nvSpPr>
           <p:cNvPr id="33" name="Title 1"/>
-          <p:cNvSpPr txBox="1">
-            <a:spLocks/>
-          </p:cNvSpPr>
+          <p:cNvSpPr txBox="1"/>
           <p:nvPr/>
         </p:nvSpPr>
         <p:spPr>
@@ -6202,6 +5898,7 @@
               <a:rPr lang="en-US" altLang="zh-CN" sz="2000" dirty="0"/>
               <a:t>CC2540</a:t>
             </a:r>
+            <a:endParaRPr lang="en-US" altLang="zh-CN" sz="2000" dirty="0"/>
           </a:p>
           <a:p>
             <a:endParaRPr lang="en-US" altLang="zh-CN" sz="2000" dirty="0"/>
@@ -6266,6 +5963,7 @@
               <a:rPr lang="en-US" altLang="zh-CN" sz="2000" dirty="0"/>
               <a:t>VCC=3.3V;</a:t>
             </a:r>
+            <a:endParaRPr lang="en-US" altLang="zh-CN" sz="2000" dirty="0"/>
           </a:p>
           <a:p>
             <a:pPr marL="342900" indent="-342900">
@@ -6281,6 +5979,7 @@
               <a:rPr lang="en-US" altLang="zh-CN" sz="2000" dirty="0"/>
               <a:t>RAM=8K;</a:t>
             </a:r>
+            <a:endParaRPr lang="en-US" altLang="zh-CN" sz="2000" dirty="0"/>
           </a:p>
           <a:p>
             <a:pPr marL="342900" indent="-342900">
@@ -6295,13 +5994,7 @@
       </p:sp>
       <p:sp>
         <p:nvSpPr>
-          <p:cNvPr id="20" name="文本框 19">
-            <a:extLst>
-              <a:ext uri="{FF2B5EF4-FFF2-40B4-BE49-F238E27FC236}">
-                <a16:creationId xmlns:a16="http://schemas.microsoft.com/office/drawing/2014/main" id="{82A160FE-89B6-499E-A2EA-AA3228C79CD8}"/>
-              </a:ext>
-            </a:extLst>
-          </p:cNvPr>
+          <p:cNvPr id="20" name="文本框 19"/>
           <p:cNvSpPr txBox="1"/>
           <p:nvPr/>
         </p:nvSpPr>
@@ -6363,20 +6056,14 @@
       </p:sp>
       <p:pic>
         <p:nvPicPr>
-          <p:cNvPr id="4" name="图片 3">
-            <a:extLst>
-              <a:ext uri="{FF2B5EF4-FFF2-40B4-BE49-F238E27FC236}">
-                <a16:creationId xmlns:a16="http://schemas.microsoft.com/office/drawing/2014/main" id="{230AEEDE-52A9-41C2-9977-9C4DC71EBEA6}"/>
-              </a:ext>
-            </a:extLst>
-          </p:cNvPr>
+          <p:cNvPr id="4" name="图片 3"/>
           <p:cNvPicPr>
             <a:picLocks noChangeAspect="1"/>
           </p:cNvPicPr>
           <p:nvPr/>
         </p:nvPicPr>
         <p:blipFill>
-          <a:blip r:embed="rId3" cstate="print">
+          <a:blip r:embed="rId1" cstate="print">
             <a:extLst>
               <a:ext uri="{28A0092B-C50C-407E-A947-70E740481C1C}">
                 <a14:useLocalDpi xmlns:a14="http://schemas.microsoft.com/office/drawing/2010/main" val="0"/>
@@ -6403,6 +6090,8 @@
               <a:srgbClr val="FFFFFF"/>
             </a:solidFill>
             <a:miter lim="800000"/>
+            <a:headEnd/>
+            <a:tailEnd/>
           </a:ln>
           <a:effectLst>
             <a:outerShdw blurRad="254000" algn="tl" rotWithShape="0">
@@ -6415,20 +6104,14 @@
       </p:pic>
       <p:pic>
         <p:nvPicPr>
-          <p:cNvPr id="6" name="图片 5">
-            <a:extLst>
-              <a:ext uri="{FF2B5EF4-FFF2-40B4-BE49-F238E27FC236}">
-                <a16:creationId xmlns:a16="http://schemas.microsoft.com/office/drawing/2014/main" id="{C3EAAC40-1E30-4410-97FF-38E60289BA44}"/>
-              </a:ext>
-            </a:extLst>
-          </p:cNvPr>
+          <p:cNvPr id="6" name="图片 5"/>
           <p:cNvPicPr>
             <a:picLocks noChangeAspect="1"/>
           </p:cNvPicPr>
           <p:nvPr/>
         </p:nvPicPr>
         <p:blipFill>
-          <a:blip r:embed="rId4">
+          <a:blip r:embed="rId2">
             <a:extLst>
               <a:ext uri="{28A0092B-C50C-407E-A947-70E740481C1C}">
                 <a14:useLocalDpi xmlns:a14="http://schemas.microsoft.com/office/drawing/2010/main" val="0"/>
@@ -6450,20 +6133,15 @@
         </p:spPr>
       </p:pic>
     </p:spTree>
-    <p:extLst>
-      <p:ext uri="{BB962C8B-B14F-4D97-AF65-F5344CB8AC3E}">
-        <p14:creationId xmlns:p14="http://schemas.microsoft.com/office/powerpoint/2010/main" val="2930930705"/>
-      </p:ext>
-    </p:extLst>
   </p:cSld>
   <p:clrMapOvr>
     <a:masterClrMapping/>
   </p:clrMapOvr>
-  <mc:AlternateContent xmlns:mc="http://schemas.openxmlformats.org/markup-compatibility/2006" xmlns:p14="http://schemas.microsoft.com/office/powerpoint/2010/main">
-    <mc:Choice Requires="p14">
+  <mc:AlternateContent xmlns:mc="http://schemas.openxmlformats.org/markup-compatibility/2006">
+    <mc:Choice xmlns:p14="http://schemas.microsoft.com/office/powerpoint/2010/main" Requires="p14">
       <p:transition p14:dur="0" advTm="0"/>
     </mc:Choice>
-    <mc:Fallback xmlns="">
+    <mc:Fallback>
       <p:transition advTm="0"/>
     </mc:Fallback>
   </mc:AlternateContent>
@@ -6490,9 +6168,7 @@
       <p:sp>
         <p:nvSpPr>
           <p:cNvPr id="33" name="Title 1"/>
-          <p:cNvSpPr txBox="1">
-            <a:spLocks/>
-          </p:cNvSpPr>
+          <p:cNvSpPr txBox="1"/>
           <p:nvPr/>
         </p:nvSpPr>
         <p:spPr>
@@ -6591,6 +6267,7 @@
               <a:rPr lang="zh-CN" altLang="en-US" sz="1800" dirty="0"/>
               <a:t>驱动板显示会有水印</a:t>
             </a:r>
+            <a:endParaRPr lang="zh-CN" altLang="en-US" sz="1800" dirty="0"/>
           </a:p>
           <a:p>
             <a:endParaRPr lang="en-US" altLang="zh-CN" sz="1800" b="0" dirty="0"/>
@@ -6628,6 +6305,7 @@
               <a:rPr lang="zh-CN" altLang="en-US" sz="1800" b="0" dirty="0"/>
               <a:t>的问题；</a:t>
             </a:r>
+            <a:endParaRPr lang="zh-CN" altLang="en-US" sz="1800" b="0" dirty="0"/>
           </a:p>
           <a:p>
             <a:endParaRPr lang="en-US" altLang="zh-CN" sz="1800" b="0" dirty="0"/>
@@ -6673,6 +6351,7 @@
               <a:rPr lang="zh-CN" altLang="en-US" sz="1800" b="0" dirty="0"/>
               <a:t>触摸板，测试过是没有问题。</a:t>
             </a:r>
+            <a:endParaRPr lang="zh-CN" altLang="en-US" sz="1800" b="0" dirty="0"/>
           </a:p>
           <a:p>
             <a:endParaRPr lang="en-US" altLang="zh-CN" sz="1800" b="0" dirty="0"/>
@@ -6710,6 +6389,7 @@
               <a:rPr lang="zh-CN" altLang="en-US" sz="1800" b="0" dirty="0"/>
               <a:t>座子可以把管脚反一下，调成和买的那个一致，差分线最好包地；</a:t>
             </a:r>
+            <a:endParaRPr lang="zh-CN" altLang="en-US" sz="1800" b="0" dirty="0"/>
           </a:p>
           <a:p>
             <a:pPr marL="342900" indent="-342900">
@@ -6724,13 +6404,7 @@
       </p:sp>
       <p:sp>
         <p:nvSpPr>
-          <p:cNvPr id="20" name="文本框 19">
-            <a:extLst>
-              <a:ext uri="{FF2B5EF4-FFF2-40B4-BE49-F238E27FC236}">
-                <a16:creationId xmlns:a16="http://schemas.microsoft.com/office/drawing/2014/main" id="{82A160FE-89B6-499E-A2EA-AA3228C79CD8}"/>
-              </a:ext>
-            </a:extLst>
-          </p:cNvPr>
+          <p:cNvPr id="20" name="文本框 19"/>
           <p:cNvSpPr txBox="1"/>
           <p:nvPr/>
         </p:nvSpPr>
@@ -6772,20 +6446,14 @@
       </p:sp>
       <p:pic>
         <p:nvPicPr>
-          <p:cNvPr id="6" name="图片 5">
-            <a:extLst>
-              <a:ext uri="{FF2B5EF4-FFF2-40B4-BE49-F238E27FC236}">
-                <a16:creationId xmlns:a16="http://schemas.microsoft.com/office/drawing/2014/main" id="{C3EAAC40-1E30-4410-97FF-38E60289BA44}"/>
-              </a:ext>
-            </a:extLst>
-          </p:cNvPr>
+          <p:cNvPr id="6" name="图片 5"/>
           <p:cNvPicPr>
             <a:picLocks noChangeAspect="1"/>
           </p:cNvPicPr>
           <p:nvPr/>
         </p:nvPicPr>
         <p:blipFill>
-          <a:blip r:embed="rId3">
+          <a:blip r:embed="rId1">
             <a:extLst>
               <a:ext uri="{28A0092B-C50C-407E-A947-70E740481C1C}">
                 <a14:useLocalDpi xmlns:a14="http://schemas.microsoft.com/office/drawing/2010/main" val="0"/>
@@ -6807,20 +6475,15 @@
         </p:spPr>
       </p:pic>
     </p:spTree>
-    <p:extLst>
-      <p:ext uri="{BB962C8B-B14F-4D97-AF65-F5344CB8AC3E}">
-        <p14:creationId xmlns:p14="http://schemas.microsoft.com/office/powerpoint/2010/main" val="2945982287"/>
-      </p:ext>
-    </p:extLst>
   </p:cSld>
   <p:clrMapOvr>
     <a:masterClrMapping/>
   </p:clrMapOvr>
-  <mc:AlternateContent xmlns:mc="http://schemas.openxmlformats.org/markup-compatibility/2006" xmlns:p14="http://schemas.microsoft.com/office/powerpoint/2010/main">
-    <mc:Choice Requires="p14">
+  <mc:AlternateContent xmlns:mc="http://schemas.openxmlformats.org/markup-compatibility/2006">
+    <mc:Choice xmlns:p14="http://schemas.microsoft.com/office/powerpoint/2010/main" Requires="p14">
       <p:transition p14:dur="0" advTm="0"/>
     </mc:Choice>
-    <mc:Fallback xmlns="">
+    <mc:Fallback>
       <p:transition advTm="0"/>
     </mc:Fallback>
   </mc:AlternateContent>
@@ -6847,9 +6510,7 @@
       <p:sp>
         <p:nvSpPr>
           <p:cNvPr id="33" name="Title 1"/>
-          <p:cNvSpPr txBox="1">
-            <a:spLocks/>
-          </p:cNvSpPr>
+          <p:cNvSpPr txBox="1"/>
           <p:nvPr/>
         </p:nvSpPr>
         <p:spPr>
@@ -6956,6 +6617,7 @@
               <a:rPr lang="zh-CN" altLang="en-US" sz="2000" dirty="0"/>
               <a:t>屏幕</a:t>
             </a:r>
+            <a:endParaRPr lang="zh-CN" altLang="en-US" sz="2000" dirty="0"/>
           </a:p>
           <a:p>
             <a:endParaRPr lang="en-US" altLang="zh-CN" sz="2000" b="0" dirty="0"/>
@@ -6969,6 +6631,7 @@
               <a:rPr lang="zh-CN" altLang="en-US" sz="2000" b="0" dirty="0"/>
               <a:t>初步原因：初步确定是电流的原因，带不动</a:t>
             </a:r>
+            <a:endParaRPr lang="zh-CN" altLang="en-US" sz="2000" b="0" dirty="0"/>
           </a:p>
           <a:p>
             <a:endParaRPr lang="en-US" altLang="zh-CN" sz="2000" b="0" dirty="0"/>
@@ -6998,6 +6661,7 @@
               <a:rPr lang="zh-CN" altLang="en-US" sz="2000" b="0" dirty="0"/>
               <a:t>，</a:t>
             </a:r>
+            <a:endParaRPr lang="zh-CN" altLang="en-US" sz="2000" b="0" dirty="0"/>
           </a:p>
           <a:p>
             <a:endParaRPr lang="en-US" altLang="zh-CN" sz="2000" b="0" dirty="0"/>
@@ -7019,18 +6683,13 @@
               <a:rPr lang="zh-CN" altLang="en-US" sz="2000" b="0" dirty="0"/>
               <a:t>座子</a:t>
             </a:r>
-          </a:p>
-        </p:txBody>
-      </p:sp>
-      <p:sp>
-        <p:nvSpPr>
-          <p:cNvPr id="20" name="文本框 19">
-            <a:extLst>
-              <a:ext uri="{FF2B5EF4-FFF2-40B4-BE49-F238E27FC236}">
-                <a16:creationId xmlns:a16="http://schemas.microsoft.com/office/drawing/2014/main" id="{82A160FE-89B6-499E-A2EA-AA3228C79CD8}"/>
-              </a:ext>
-            </a:extLst>
-          </p:cNvPr>
+            <a:endParaRPr lang="zh-CN" altLang="en-US" sz="2000" b="0" dirty="0"/>
+          </a:p>
+        </p:txBody>
+      </p:sp>
+      <p:sp>
+        <p:nvSpPr>
+          <p:cNvPr id="20" name="文本框 19"/>
           <p:cNvSpPr txBox="1"/>
           <p:nvPr/>
         </p:nvSpPr>
@@ -7072,20 +6731,14 @@
       </p:sp>
       <p:pic>
         <p:nvPicPr>
-          <p:cNvPr id="6" name="图片 5">
-            <a:extLst>
-              <a:ext uri="{FF2B5EF4-FFF2-40B4-BE49-F238E27FC236}">
-                <a16:creationId xmlns:a16="http://schemas.microsoft.com/office/drawing/2014/main" id="{C3EAAC40-1E30-4410-97FF-38E60289BA44}"/>
-              </a:ext>
-            </a:extLst>
-          </p:cNvPr>
+          <p:cNvPr id="6" name="图片 5"/>
           <p:cNvPicPr>
             <a:picLocks noChangeAspect="1"/>
           </p:cNvPicPr>
           <p:nvPr/>
         </p:nvPicPr>
         <p:blipFill>
-          <a:blip r:embed="rId3">
+          <a:blip r:embed="rId1">
             <a:extLst>
               <a:ext uri="{28A0092B-C50C-407E-A947-70E740481C1C}">
                 <a14:useLocalDpi xmlns:a14="http://schemas.microsoft.com/office/drawing/2010/main" val="0"/>
@@ -7107,20 +6760,15 @@
         </p:spPr>
       </p:pic>
     </p:spTree>
-    <p:extLst>
-      <p:ext uri="{BB962C8B-B14F-4D97-AF65-F5344CB8AC3E}">
-        <p14:creationId xmlns:p14="http://schemas.microsoft.com/office/powerpoint/2010/main" val="3832270615"/>
-      </p:ext>
-    </p:extLst>
   </p:cSld>
   <p:clrMapOvr>
     <a:masterClrMapping/>
   </p:clrMapOvr>
-  <mc:AlternateContent xmlns:mc="http://schemas.openxmlformats.org/markup-compatibility/2006" xmlns:p14="http://schemas.microsoft.com/office/powerpoint/2010/main">
-    <mc:Choice Requires="p14">
+  <mc:AlternateContent xmlns:mc="http://schemas.openxmlformats.org/markup-compatibility/2006">
+    <mc:Choice xmlns:p14="http://schemas.microsoft.com/office/powerpoint/2010/main" Requires="p14">
       <p:transition p14:dur="0" advTm="0"/>
     </mc:Choice>
-    <mc:Fallback xmlns="">
+    <mc:Fallback>
       <p:transition advTm="0"/>
     </mc:Fallback>
   </mc:AlternateContent>
@@ -7147,9 +6795,7 @@
       <p:sp>
         <p:nvSpPr>
           <p:cNvPr id="33" name="Title 1"/>
-          <p:cNvSpPr txBox="1">
-            <a:spLocks/>
-          </p:cNvSpPr>
+          <p:cNvSpPr txBox="1"/>
           <p:nvPr/>
         </p:nvSpPr>
         <p:spPr>
@@ -7207,13 +6853,7 @@
       </p:sp>
       <p:sp>
         <p:nvSpPr>
-          <p:cNvPr id="2" name="AutoShape 1" descr="C:\Users\quronghui\AppData\Roaming\Tencent\Users\1939193595\TIM\WinTemp\RichOle\EELKSZ{GH}X8OEB2%CCA{~W.png">
-            <a:extLst>
-              <a:ext uri="{FF2B5EF4-FFF2-40B4-BE49-F238E27FC236}">
-                <a16:creationId xmlns:a16="http://schemas.microsoft.com/office/drawing/2014/main" id="{4AE04544-267D-4B01-93EB-0A73BBC300CF}"/>
-              </a:ext>
-            </a:extLst>
-          </p:cNvPr>
+          <p:cNvPr id="2" name="AutoShape 1" descr="C:\Users\quronghui\AppData\Roaming\Tencent\Users\1939193595\TIM\WinTemp\RichOle\EELKSZ{GH}X8OEB2%CCA{~W.png"/>
           <p:cNvSpPr>
             <a:spLocks noChangeAspect="1" noChangeArrowheads="1"/>
           </p:cNvSpPr>
@@ -7239,11 +6879,7 @@
           </a:extLst>
         </p:spPr>
         <p:txBody>
-          <a:bodyPr vert="horz" wrap="square" lIns="91440" tIns="45720" rIns="91440" bIns="45720" numCol="1" anchor="t" anchorCtr="0" compatLnSpc="1">
-            <a:prstTxWarp prst="textNoShape">
-              <a:avLst/>
-            </a:prstTxWarp>
-          </a:bodyPr>
+          <a:bodyPr vert="horz" wrap="square" lIns="91440" tIns="45720" rIns="91440" bIns="45720" numCol="1" anchor="t" anchorCtr="0" compatLnSpc="1"/>
           <a:lstStyle/>
           <a:p>
             <a:endParaRPr lang="zh-CN" altLang="en-US"/>
@@ -7252,13 +6888,7 @@
       </p:sp>
       <p:sp>
         <p:nvSpPr>
-          <p:cNvPr id="3" name="AutoShape 2" descr="C:\Users\quronghui\AppData\Roaming\Tencent\Users\1939193595\TIM\WinTemp\RichOle\EELKSZ{GH}X8OEB2%CCA{~W.png">
-            <a:extLst>
-              <a:ext uri="{FF2B5EF4-FFF2-40B4-BE49-F238E27FC236}">
-                <a16:creationId xmlns:a16="http://schemas.microsoft.com/office/drawing/2014/main" id="{578C7FD7-2750-4B99-8995-4D471002E6E8}"/>
-              </a:ext>
-            </a:extLst>
-          </p:cNvPr>
+          <p:cNvPr id="3" name="AutoShape 2" descr="C:\Users\quronghui\AppData\Roaming\Tencent\Users\1939193595\TIM\WinTemp\RichOle\EELKSZ{GH}X8OEB2%CCA{~W.png"/>
           <p:cNvSpPr>
             <a:spLocks noChangeAspect="1" noChangeArrowheads="1"/>
           </p:cNvSpPr>
@@ -7284,11 +6914,7 @@
           </a:extLst>
         </p:spPr>
         <p:txBody>
-          <a:bodyPr vert="horz" wrap="square" lIns="91440" tIns="45720" rIns="91440" bIns="45720" numCol="1" anchor="t" anchorCtr="0" compatLnSpc="1">
-            <a:prstTxWarp prst="textNoShape">
-              <a:avLst/>
-            </a:prstTxWarp>
-          </a:bodyPr>
+          <a:bodyPr vert="horz" wrap="square" lIns="91440" tIns="45720" rIns="91440" bIns="45720" numCol="1" anchor="t" anchorCtr="0" compatLnSpc="1"/>
           <a:lstStyle/>
           <a:p>
             <a:endParaRPr lang="zh-CN" altLang="en-US"/>
@@ -7297,20 +6923,14 @@
       </p:sp>
       <p:pic>
         <p:nvPicPr>
-          <p:cNvPr id="5" name="图片 4">
-            <a:extLst>
-              <a:ext uri="{FF2B5EF4-FFF2-40B4-BE49-F238E27FC236}">
-                <a16:creationId xmlns:a16="http://schemas.microsoft.com/office/drawing/2014/main" id="{D27D2145-B69C-4D70-8385-6E0C30467265}"/>
-              </a:ext>
-            </a:extLst>
-          </p:cNvPr>
+          <p:cNvPr id="5" name="图片 4"/>
           <p:cNvPicPr>
             <a:picLocks noChangeAspect="1"/>
           </p:cNvPicPr>
           <p:nvPr/>
         </p:nvPicPr>
         <p:blipFill>
-          <a:blip r:embed="rId3">
+          <a:blip r:embed="rId1">
             <a:extLst>
               <a:ext uri="{28A0092B-C50C-407E-A947-70E740481C1C}">
                 <a14:useLocalDpi xmlns:a14="http://schemas.microsoft.com/office/drawing/2010/main" val="0"/>
@@ -7332,20 +6952,15 @@
         </p:spPr>
       </p:pic>
     </p:spTree>
-    <p:extLst>
-      <p:ext uri="{BB962C8B-B14F-4D97-AF65-F5344CB8AC3E}">
-        <p14:creationId xmlns:p14="http://schemas.microsoft.com/office/powerpoint/2010/main" val="1592340771"/>
-      </p:ext>
-    </p:extLst>
   </p:cSld>
   <p:clrMapOvr>
     <a:masterClrMapping/>
   </p:clrMapOvr>
-  <mc:AlternateContent xmlns:mc="http://schemas.openxmlformats.org/markup-compatibility/2006" xmlns:p14="http://schemas.microsoft.com/office/powerpoint/2010/main">
-    <mc:Choice Requires="p14">
+  <mc:AlternateContent xmlns:mc="http://schemas.openxmlformats.org/markup-compatibility/2006">
+    <mc:Choice xmlns:p14="http://schemas.microsoft.com/office/powerpoint/2010/main" Requires="p14">
       <p:transition p14:dur="0" advTm="0"/>
     </mc:Choice>
-    <mc:Fallback xmlns="">
+    <mc:Fallback>
       <p:transition advTm="0"/>
     </mc:Fallback>
   </mc:AlternateContent>
@@ -7404,7 +7019,6 @@
               <a:buSzTx/>
               <a:buFontTx/>
               <a:buNone/>
-              <a:tabLst/>
               <a:defRPr/>
             </a:pPr>
             <a:r>
@@ -7505,6 +7119,17 @@
               </a:rPr>
               <a:t>www.1ppt.com/hangye/ </a:t>
             </a:r>
+            <a:endParaRPr kumimoji="0" lang="en-US" altLang="zh-CN" sz="100" b="0" i="0" u="none" strike="noStrike" kern="0" cap="none" spc="0" normalizeH="0" baseline="0" noProof="0" dirty="0">
+              <a:ln>
+                <a:noFill/>
+              </a:ln>
+              <a:solidFill>
+                <a:sysClr val="window" lastClr="FFFFFF"/>
+              </a:solidFill>
+              <a:effectLst/>
+              <a:uLnTx/>
+              <a:uFillTx/>
+            </a:endParaRPr>
           </a:p>
           <a:p>
             <a:pPr marL="0" marR="0" lvl="0" indent="0" defTabSz="914400" eaLnBrk="1" fontAlgn="auto" latinLnBrk="0" hangingPunct="1">
@@ -7521,7 +7146,6 @@
               <a:buSzTx/>
               <a:buFontTx/>
               <a:buNone/>
-              <a:tabLst/>
               <a:defRPr/>
             </a:pPr>
             <a:r>
@@ -7608,6 +7232,17 @@
               </a:rPr>
               <a:t>www.1ppt.com/sucai/</a:t>
             </a:r>
+            <a:endParaRPr kumimoji="0" lang="en-US" altLang="zh-CN" sz="100" b="0" i="0" u="none" strike="noStrike" kern="0" cap="none" spc="0" normalizeH="0" baseline="0" noProof="0" dirty="0">
+              <a:ln>
+                <a:noFill/>
+              </a:ln>
+              <a:solidFill>
+                <a:sysClr val="window" lastClr="FFFFFF"/>
+              </a:solidFill>
+              <a:effectLst/>
+              <a:uLnTx/>
+              <a:uFillTx/>
+            </a:endParaRPr>
           </a:p>
           <a:p>
             <a:pPr marL="0" marR="0" lvl="0" indent="0" defTabSz="914400" eaLnBrk="1" fontAlgn="auto" latinLnBrk="0" hangingPunct="1">
@@ -7624,7 +7259,6 @@
               <a:buSzTx/>
               <a:buFontTx/>
               <a:buNone/>
-              <a:tabLst/>
               <a:defRPr/>
             </a:pPr>
             <a:r>
@@ -7697,6 +7331,17 @@
               </a:rPr>
               <a:t>www.1ppt.com/tubiao/      </a:t>
             </a:r>
+            <a:endParaRPr kumimoji="0" lang="en-US" altLang="zh-CN" sz="100" b="0" i="0" u="none" strike="noStrike" kern="0" cap="none" spc="0" normalizeH="0" baseline="0" noProof="0" dirty="0">
+              <a:ln>
+                <a:noFill/>
+              </a:ln>
+              <a:solidFill>
+                <a:sysClr val="window" lastClr="FFFFFF"/>
+              </a:solidFill>
+              <a:effectLst/>
+              <a:uLnTx/>
+              <a:uFillTx/>
+            </a:endParaRPr>
           </a:p>
           <a:p>
             <a:pPr marL="0" marR="0" lvl="0" indent="0" defTabSz="914400" eaLnBrk="1" fontAlgn="auto" latinLnBrk="0" hangingPunct="1">
@@ -7713,7 +7358,6 @@
               <a:buSzTx/>
               <a:buFontTx/>
               <a:buNone/>
-              <a:tabLst/>
               <a:defRPr/>
             </a:pPr>
             <a:r>
@@ -7800,6 +7444,17 @@
               </a:rPr>
               <a:t>www.1ppt.com/powerpoint/      </a:t>
             </a:r>
+            <a:endParaRPr kumimoji="0" lang="en-US" altLang="zh-CN" sz="100" b="0" i="0" u="none" strike="noStrike" kern="0" cap="none" spc="0" normalizeH="0" baseline="0" noProof="0" dirty="0">
+              <a:ln>
+                <a:noFill/>
+              </a:ln>
+              <a:solidFill>
+                <a:sysClr val="window" lastClr="FFFFFF"/>
+              </a:solidFill>
+              <a:effectLst/>
+              <a:uLnTx/>
+              <a:uFillTx/>
+            </a:endParaRPr>
           </a:p>
           <a:p>
             <a:pPr marL="0" marR="0" lvl="0" indent="0" defTabSz="914400" eaLnBrk="1" fontAlgn="auto" latinLnBrk="0" hangingPunct="1">
@@ -7816,7 +7471,6 @@
               <a:buSzTx/>
               <a:buFontTx/>
               <a:buNone/>
-              <a:tabLst/>
               <a:defRPr/>
             </a:pPr>
             <a:r>
@@ -7889,6 +7543,17 @@
               </a:rPr>
               <a:t>www.1ppt.com/excel/  </a:t>
             </a:r>
+            <a:endParaRPr kumimoji="0" lang="en-US" altLang="zh-CN" sz="100" b="0" i="0" u="none" strike="noStrike" kern="0" cap="none" spc="0" normalizeH="0" baseline="0" noProof="0" dirty="0">
+              <a:ln>
+                <a:noFill/>
+              </a:ln>
+              <a:solidFill>
+                <a:sysClr val="window" lastClr="FFFFFF"/>
+              </a:solidFill>
+              <a:effectLst/>
+              <a:uLnTx/>
+              <a:uFillTx/>
+            </a:endParaRPr>
           </a:p>
           <a:p>
             <a:pPr marL="0" marR="0" lvl="0" indent="0" defTabSz="914400" eaLnBrk="1" fontAlgn="auto" latinLnBrk="0" hangingPunct="1">
@@ -7905,7 +7570,6 @@
               <a:buSzTx/>
               <a:buFontTx/>
               <a:buNone/>
-              <a:tabLst/>
               <a:defRPr/>
             </a:pPr>
             <a:r>
@@ -7964,6 +7628,17 @@
               </a:rPr>
               <a:t>www.1ppt.com/kejian/ </a:t>
             </a:r>
+            <a:endParaRPr kumimoji="0" lang="en-US" altLang="zh-CN" sz="100" b="0" i="0" u="none" strike="noStrike" kern="0" cap="none" spc="0" normalizeH="0" baseline="0" noProof="0" dirty="0">
+              <a:ln>
+                <a:noFill/>
+              </a:ln>
+              <a:solidFill>
+                <a:sysClr val="window" lastClr="FFFFFF"/>
+              </a:solidFill>
+              <a:effectLst/>
+              <a:uLnTx/>
+              <a:uFillTx/>
+            </a:endParaRPr>
           </a:p>
           <a:p>
             <a:pPr marL="0" marR="0" lvl="0" indent="0" defTabSz="914400" eaLnBrk="1" fontAlgn="auto" latinLnBrk="0" hangingPunct="1">
@@ -7980,7 +7655,6 @@
               <a:buSzTx/>
               <a:buFontTx/>
               <a:buNone/>
-              <a:tabLst/>
               <a:defRPr/>
             </a:pPr>
             <a:r>
@@ -8039,6 +7713,17 @@
               </a:rPr>
               <a:t>www.1ppt.com/shiti/  </a:t>
             </a:r>
+            <a:endParaRPr kumimoji="0" lang="en-US" altLang="zh-CN" sz="100" b="0" i="0" u="none" strike="noStrike" kern="0" cap="none" spc="0" normalizeH="0" baseline="0" noProof="0" dirty="0">
+              <a:ln>
+                <a:noFill/>
+              </a:ln>
+              <a:solidFill>
+                <a:sysClr val="window" lastClr="FFFFFF"/>
+              </a:solidFill>
+              <a:effectLst/>
+              <a:uLnTx/>
+              <a:uFillTx/>
+            </a:endParaRPr>
           </a:p>
           <a:p>
             <a:pPr marL="0" marR="0" lvl="0" indent="0" defTabSz="914400" eaLnBrk="1" fontAlgn="auto" latinLnBrk="0" hangingPunct="1">
@@ -8055,7 +7740,6 @@
               <a:buSzTx/>
               <a:buFontTx/>
               <a:buNone/>
-              <a:tabLst/>
               <a:defRPr/>
             </a:pPr>
             <a:r>
@@ -8114,6 +7798,17 @@
               </a:rPr>
               <a:t>www.1ppt.cn</a:t>
             </a:r>
+            <a:endParaRPr kumimoji="0" lang="en-US" altLang="zh-CN" sz="100" b="0" i="0" u="none" strike="noStrike" kern="0" cap="none" spc="0" normalizeH="0" baseline="0" noProof="0" dirty="0">
+              <a:ln>
+                <a:noFill/>
+              </a:ln>
+              <a:solidFill>
+                <a:sysClr val="window" lastClr="FFFFFF"/>
+              </a:solidFill>
+              <a:effectLst/>
+              <a:uLnTx/>
+              <a:uFillTx/>
+            </a:endParaRPr>
           </a:p>
           <a:p>
             <a:pPr marL="0" marR="0" lvl="0" indent="0" defTabSz="914400" eaLnBrk="1" fontAlgn="auto" latinLnBrk="0" hangingPunct="1">
@@ -8130,7 +7825,6 @@
               <a:buSzTx/>
               <a:buFontTx/>
               <a:buNone/>
-              <a:tabLst/>
               <a:defRPr/>
             </a:pPr>
             <a:r>
@@ -8185,28 +7879,28 @@
               <a:gd name="connsiteY3" fmla="*/ 2158466 h 2158466"/>
               <a:gd name="connsiteX4" fmla="*/ 0 w 2393156"/>
               <a:gd name="connsiteY4" fmla="*/ 0 h 2158466"/>
-              <a:gd name="connsiteX0" fmla="*/ 0 w 2393156"/>
-              <a:gd name="connsiteY0" fmla="*/ 0 h 2158466"/>
-              <a:gd name="connsiteX1" fmla="*/ 2393156 w 2393156"/>
-              <a:gd name="connsiteY1" fmla="*/ 0 h 2158466"/>
-              <a:gd name="connsiteX2" fmla="*/ 0 w 2393156"/>
-              <a:gd name="connsiteY2" fmla="*/ 2158466 h 2158466"/>
-              <a:gd name="connsiteX3" fmla="*/ 0 w 2393156"/>
-              <a:gd name="connsiteY3" fmla="*/ 0 h 2158466"/>
+              <a:gd name="connsiteX0-1" fmla="*/ 0 w 2393156"/>
+              <a:gd name="connsiteY0-2" fmla="*/ 0 h 2158466"/>
+              <a:gd name="connsiteX1-3" fmla="*/ 2393156 w 2393156"/>
+              <a:gd name="connsiteY1-4" fmla="*/ 0 h 2158466"/>
+              <a:gd name="connsiteX2-5" fmla="*/ 0 w 2393156"/>
+              <a:gd name="connsiteY2-6" fmla="*/ 2158466 h 2158466"/>
+              <a:gd name="connsiteX3-7" fmla="*/ 0 w 2393156"/>
+              <a:gd name="connsiteY3-8" fmla="*/ 0 h 2158466"/>
             </a:gdLst>
             <a:ahLst/>
             <a:cxnLst>
               <a:cxn ang="0">
-                <a:pos x="connsiteX0" y="connsiteY0"/>
+                <a:pos x="connsiteX0-1" y="connsiteY0-2"/>
               </a:cxn>
               <a:cxn ang="0">
-                <a:pos x="connsiteX1" y="connsiteY1"/>
+                <a:pos x="connsiteX1-3" y="connsiteY1-4"/>
               </a:cxn>
               <a:cxn ang="0">
-                <a:pos x="connsiteX2" y="connsiteY2"/>
+                <a:pos x="connsiteX2-5" y="connsiteY2-6"/>
               </a:cxn>
               <a:cxn ang="0">
-                <a:pos x="connsiteX3" y="connsiteY3"/>
+                <a:pos x="connsiteX3-7" y="connsiteY3-8"/>
               </a:cxn>
             </a:cxnLst>
             <a:rect l="l" t="t" r="r" b="b"/>
@@ -8336,7 +8030,7 @@
           <p:nvPr/>
         </p:nvPicPr>
         <p:blipFill>
-          <a:blip r:embed="rId3">
+          <a:blip r:embed="rId1">
             <a:extLst>
               <a:ext uri="{28A0092B-C50C-407E-A947-70E740481C1C}">
                 <a14:useLocalDpi xmlns:a14="http://schemas.microsoft.com/office/drawing/2010/main" val="0"/>
@@ -8382,20 +8076,15 @@
         </p:spPr>
       </p:pic>
     </p:spTree>
-    <p:extLst>
-      <p:ext uri="{BB962C8B-B14F-4D97-AF65-F5344CB8AC3E}">
-        <p14:creationId xmlns:p14="http://schemas.microsoft.com/office/powerpoint/2010/main" val="1068391887"/>
-      </p:ext>
-    </p:extLst>
   </p:cSld>
   <p:clrMapOvr>
     <a:masterClrMapping/>
   </p:clrMapOvr>
-  <mc:AlternateContent xmlns:mc="http://schemas.openxmlformats.org/markup-compatibility/2006" xmlns:p14="http://schemas.microsoft.com/office/powerpoint/2010/main">
-    <mc:Choice Requires="p14">
+  <mc:AlternateContent xmlns:mc="http://schemas.openxmlformats.org/markup-compatibility/2006">
+    <mc:Choice xmlns:p14="http://schemas.microsoft.com/office/powerpoint/2010/main" Requires="p14">
       <p:transition p14:dur="0" advTm="0"/>
     </mc:Choice>
-    <mc:Fallback xmlns="">
+    <mc:Fallback>
       <p:transition advTm="0"/>
     </mc:Fallback>
   </mc:AlternateContent>
@@ -8422,9 +8111,7 @@
       <p:sp>
         <p:nvSpPr>
           <p:cNvPr id="15" name="Text Placeholder 4"/>
-          <p:cNvSpPr txBox="1">
-            <a:spLocks/>
-          </p:cNvSpPr>
+          <p:cNvSpPr txBox="1"/>
           <p:nvPr/>
         </p:nvSpPr>
         <p:spPr>
@@ -8445,7 +8132,7 @@
               <a:spcBef>
                 <a:spcPct val="20000"/>
               </a:spcBef>
-              <a:buFont typeface="Arial" pitchFamily="34" charset="0"/>
+              <a:buFont typeface="Arial" panose="02080604020202020204" pitchFamily="34" charset="0"/>
               <a:buChar char="•"/>
               <a:defRPr sz="3200" kern="1200">
                 <a:solidFill>
@@ -8460,7 +8147,7 @@
               <a:spcBef>
                 <a:spcPct val="20000"/>
               </a:spcBef>
-              <a:buFont typeface="Arial" pitchFamily="34" charset="0"/>
+              <a:buFont typeface="Arial" panose="02080604020202020204" pitchFamily="34" charset="0"/>
               <a:buChar char="–"/>
               <a:defRPr sz="2800" kern="1200">
                 <a:solidFill>
@@ -8475,7 +8162,7 @@
               <a:spcBef>
                 <a:spcPct val="20000"/>
               </a:spcBef>
-              <a:buFont typeface="Arial" pitchFamily="34" charset="0"/>
+              <a:buFont typeface="Arial" panose="02080604020202020204" pitchFamily="34" charset="0"/>
               <a:buChar char="•"/>
               <a:defRPr sz="2400" kern="1200">
                 <a:solidFill>
@@ -8490,7 +8177,7 @@
               <a:spcBef>
                 <a:spcPct val="20000"/>
               </a:spcBef>
-              <a:buFont typeface="Arial" pitchFamily="34" charset="0"/>
+              <a:buFont typeface="Arial" panose="02080604020202020204" pitchFamily="34" charset="0"/>
               <a:buChar char="–"/>
               <a:defRPr sz="2000" kern="1200">
                 <a:solidFill>
@@ -8505,7 +8192,7 @@
               <a:spcBef>
                 <a:spcPct val="20000"/>
               </a:spcBef>
-              <a:buFont typeface="Arial" pitchFamily="34" charset="0"/>
+              <a:buFont typeface="Arial" panose="02080604020202020204" pitchFamily="34" charset="0"/>
               <a:buChar char="»"/>
               <a:defRPr sz="2000" kern="1200">
                 <a:solidFill>
@@ -8520,7 +8207,7 @@
               <a:spcBef>
                 <a:spcPct val="20000"/>
               </a:spcBef>
-              <a:buFont typeface="Arial" pitchFamily="34" charset="0"/>
+              <a:buFont typeface="Arial" panose="02080604020202020204" pitchFamily="34" charset="0"/>
               <a:buChar char="•"/>
               <a:defRPr sz="2000" kern="1200">
                 <a:solidFill>
@@ -8535,7 +8222,7 @@
               <a:spcBef>
                 <a:spcPct val="20000"/>
               </a:spcBef>
-              <a:buFont typeface="Arial" pitchFamily="34" charset="0"/>
+              <a:buFont typeface="Arial" panose="02080604020202020204" pitchFamily="34" charset="0"/>
               <a:buChar char="•"/>
               <a:defRPr sz="2000" kern="1200">
                 <a:solidFill>
@@ -8550,7 +8237,7 @@
               <a:spcBef>
                 <a:spcPct val="20000"/>
               </a:spcBef>
-              <a:buFont typeface="Arial" pitchFamily="34" charset="0"/>
+              <a:buFont typeface="Arial" panose="02080604020202020204" pitchFamily="34" charset="0"/>
               <a:buChar char="•"/>
               <a:defRPr sz="2000" kern="1200">
                 <a:solidFill>
@@ -8565,7 +8252,7 @@
               <a:spcBef>
                 <a:spcPct val="20000"/>
               </a:spcBef>
-              <a:buFont typeface="Arial" pitchFamily="34" charset="0"/>
+              <a:buFont typeface="Arial" panose="02080604020202020204" pitchFamily="34" charset="0"/>
               <a:buChar char="•"/>
               <a:defRPr sz="2000" kern="1200">
                 <a:solidFill>
@@ -8590,9 +8277,8 @@
               </a:spcAft>
               <a:buClrTx/>
               <a:buSzTx/>
-              <a:buFont typeface="Arial" pitchFamily="34" charset="0"/>
+              <a:buFont typeface="Arial" panose="02080604020202020204" pitchFamily="34" charset="0"/>
               <a:buNone/>
-              <a:tabLst/>
               <a:defRPr/>
             </a:pPr>
             <a:r>
@@ -8730,7 +8416,6 @@
                 <a:buSzTx/>
                 <a:buFontTx/>
                 <a:buNone/>
-                <a:tabLst/>
                 <a:defRPr/>
               </a:pPr>
               <a:endParaRPr kumimoji="0" lang="zh-CN" altLang="en-US" sz="1400" b="0" i="0" u="none" strike="noStrike" kern="1200" cap="none" spc="0" normalizeH="0" baseline="0" noProof="0">
@@ -8744,7 +8429,7 @@
                 <a:uLnTx/>
                 <a:uFillTx/>
                 <a:latin typeface="Impact" panose="020B0806030902050204" pitchFamily="34" charset="0"/>
-                <a:ea typeface="宋体" panose="02010600030101010101" pitchFamily="2" charset="-122"/>
+                <a:ea typeface="宋体" pitchFamily="2" charset="-122"/>
                 <a:cs typeface="+mn-cs"/>
               </a:endParaRPr>
             </a:p>
@@ -8786,7 +8471,6 @@
                 <a:buSzTx/>
                 <a:buFontTx/>
                 <a:buNone/>
-                <a:tabLst/>
                 <a:defRPr/>
               </a:pPr>
               <a:r>
@@ -8801,7 +8485,7 @@
                   <a:uLnTx/>
                   <a:uFillTx/>
                   <a:latin typeface="Impact" panose="020B0806030902050204" pitchFamily="34" charset="0"/>
-                  <a:ea typeface="宋体" panose="02010600030101010101" pitchFamily="2" charset="-122"/>
+                  <a:ea typeface="宋体" pitchFamily="2" charset="-122"/>
                   <a:cs typeface="+mn-cs"/>
                 </a:rPr>
                 <a:t>03</a:t>
@@ -8817,7 +8501,7 @@
                 <a:uLnTx/>
                 <a:uFillTx/>
                 <a:latin typeface="Impact" panose="020B0806030902050204" pitchFamily="34" charset="0"/>
-                <a:ea typeface="宋体" panose="02010600030101010101" pitchFamily="2" charset="-122"/>
+                <a:ea typeface="宋体" pitchFamily="2" charset="-122"/>
                 <a:cs typeface="+mn-cs"/>
               </a:endParaRPr>
             </a:p>
@@ -8895,7 +8579,6 @@
                 <a:buSzTx/>
                 <a:buFontTx/>
                 <a:buNone/>
-                <a:tabLst/>
                 <a:defRPr/>
               </a:pPr>
               <a:endParaRPr kumimoji="0" lang="zh-CN" altLang="en-US" sz="1400" b="0" i="0" u="none" strike="noStrike" kern="1200" cap="none" spc="0" normalizeH="0" baseline="0" noProof="0">
@@ -8909,7 +8592,7 @@
                 <a:uLnTx/>
                 <a:uFillTx/>
                 <a:latin typeface="Impact" panose="020B0806030902050204" pitchFamily="34" charset="0"/>
-                <a:ea typeface="宋体" panose="02010600030101010101" pitchFamily="2" charset="-122"/>
+                <a:ea typeface="宋体" pitchFamily="2" charset="-122"/>
                 <a:cs typeface="+mn-cs"/>
               </a:endParaRPr>
             </a:p>
@@ -8951,7 +8634,6 @@
                 <a:buSzTx/>
                 <a:buFontTx/>
                 <a:buNone/>
-                <a:tabLst/>
                 <a:defRPr/>
               </a:pPr>
               <a:r>
@@ -8966,7 +8648,7 @@
                   <a:uLnTx/>
                   <a:uFillTx/>
                   <a:latin typeface="Impact" panose="020B0806030902050204" pitchFamily="34" charset="0"/>
-                  <a:ea typeface="宋体" panose="02010600030101010101" pitchFamily="2" charset="-122"/>
+                  <a:ea typeface="宋体" pitchFamily="2" charset="-122"/>
                   <a:cs typeface="+mn-cs"/>
                 </a:rPr>
                 <a:t>04</a:t>
@@ -8982,7 +8664,7 @@
                 <a:uLnTx/>
                 <a:uFillTx/>
                 <a:latin typeface="Impact" panose="020B0806030902050204" pitchFamily="34" charset="0"/>
-                <a:ea typeface="宋体" panose="02010600030101010101" pitchFamily="2" charset="-122"/>
+                <a:ea typeface="宋体" pitchFamily="2" charset="-122"/>
                 <a:cs typeface="+mn-cs"/>
               </a:endParaRPr>
             </a:p>
@@ -9041,7 +8723,6 @@
                 <a:buSzTx/>
                 <a:buFontTx/>
                 <a:buNone/>
-                <a:tabLst/>
                 <a:defRPr/>
               </a:pPr>
               <a:r>
@@ -9147,7 +8828,6 @@
                 <a:buSzTx/>
                 <a:buFontTx/>
                 <a:buNone/>
-                <a:tabLst/>
                 <a:defRPr/>
               </a:pPr>
               <a:endParaRPr kumimoji="0" lang="zh-CN" altLang="en-US" sz="1600" b="1" i="0" u="none" strike="noStrike" kern="1200" cap="none" spc="0" normalizeH="0" baseline="0" noProof="0">
@@ -9164,7 +8844,7 @@
                 <a:uLnTx/>
                 <a:uFillTx/>
                 <a:latin typeface="Calibri"/>
-                <a:ea typeface="宋体" panose="02010600030101010101" pitchFamily="2" charset="-122"/>
+                <a:ea typeface="宋体" pitchFamily="2" charset="-122"/>
                 <a:cs typeface="+mn-cs"/>
               </a:endParaRPr>
             </a:p>
@@ -9223,7 +8903,6 @@
                 <a:buSzTx/>
                 <a:buFontTx/>
                 <a:buNone/>
-                <a:tabLst/>
                 <a:defRPr/>
               </a:pPr>
               <a:r>
@@ -9316,7 +8995,6 @@
                 <a:buSzTx/>
                 <a:buFontTx/>
                 <a:buNone/>
-                <a:tabLst/>
                 <a:defRPr/>
               </a:pPr>
               <a:endParaRPr kumimoji="0" lang="zh-CN" altLang="en-US" sz="1600" b="1" i="0" u="none" strike="noStrike" kern="1200" cap="none" spc="0" normalizeH="0" baseline="0" noProof="0">
@@ -9333,7 +9011,7 @@
                 <a:uLnTx/>
                 <a:uFillTx/>
                 <a:latin typeface="Calibri"/>
-                <a:ea typeface="宋体" panose="02010600030101010101" pitchFamily="2" charset="-122"/>
+                <a:ea typeface="宋体" pitchFamily="2" charset="-122"/>
                 <a:cs typeface="+mn-cs"/>
               </a:endParaRPr>
             </a:p>
@@ -9342,13 +9020,7 @@
       </p:grpSp>
       <p:grpSp>
         <p:nvGrpSpPr>
-          <p:cNvPr id="16" name="组合 15">
-            <a:extLst>
-              <a:ext uri="{FF2B5EF4-FFF2-40B4-BE49-F238E27FC236}">
-                <a16:creationId xmlns:a16="http://schemas.microsoft.com/office/drawing/2014/main" id="{0AF3AA18-5DBF-4AAD-A0B1-4EF69CCC870E}"/>
-              </a:ext>
-            </a:extLst>
-          </p:cNvPr>
+          <p:cNvPr id="16" name="组合 15"/>
           <p:cNvGrpSpPr/>
           <p:nvPr/>
         </p:nvGrpSpPr>
@@ -9362,13 +9034,7 @@
         </p:grpSpPr>
         <p:sp>
           <p:nvSpPr>
-            <p:cNvPr id="17" name="平行四边形 16">
-              <a:extLst>
-                <a:ext uri="{FF2B5EF4-FFF2-40B4-BE49-F238E27FC236}">
-                  <a16:creationId xmlns:a16="http://schemas.microsoft.com/office/drawing/2014/main" id="{1513E0F2-916E-478B-BD66-06A73B992835}"/>
-                </a:ext>
-              </a:extLst>
-            </p:cNvPr>
+            <p:cNvPr id="17" name="平行四边形 16"/>
             <p:cNvSpPr/>
             <p:nvPr/>
           </p:nvSpPr>
@@ -9423,7 +9089,6 @@
                 <a:buSzTx/>
                 <a:buFontTx/>
                 <a:buNone/>
-                <a:tabLst/>
                 <a:defRPr/>
               </a:pPr>
               <a:endParaRPr kumimoji="0" lang="zh-CN" altLang="en-US" sz="1400" b="0" i="0" u="none" strike="noStrike" kern="1200" cap="none" spc="0" normalizeH="0" baseline="0" noProof="0">
@@ -9437,7 +9102,7 @@
                 <a:uLnTx/>
                 <a:uFillTx/>
                 <a:latin typeface="Impact" panose="020B0806030902050204" pitchFamily="34" charset="0"/>
-                <a:ea typeface="宋体" panose="02010600030101010101" pitchFamily="2" charset="-122"/>
+                <a:ea typeface="宋体" pitchFamily="2" charset="-122"/>
                 <a:cs typeface="+mn-cs"/>
               </a:endParaRPr>
             </a:p>
@@ -9445,13 +9110,7 @@
         </p:sp>
         <p:sp>
           <p:nvSpPr>
-            <p:cNvPr id="18" name="文本框 11">
-              <a:extLst>
-                <a:ext uri="{FF2B5EF4-FFF2-40B4-BE49-F238E27FC236}">
-                  <a16:creationId xmlns:a16="http://schemas.microsoft.com/office/drawing/2014/main" id="{156375AA-718A-455F-BB68-C58617C3227F}"/>
-                </a:ext>
-              </a:extLst>
-            </p:cNvPr>
+            <p:cNvPr id="18" name="文本框 11"/>
             <p:cNvSpPr txBox="1"/>
             <p:nvPr/>
           </p:nvSpPr>
@@ -9485,7 +9144,6 @@
                 <a:buSzTx/>
                 <a:buFontTx/>
                 <a:buNone/>
-                <a:tabLst/>
                 <a:defRPr/>
               </a:pPr>
               <a:r>
@@ -9500,7 +9158,7 @@
                   <a:uLnTx/>
                   <a:uFillTx/>
                   <a:latin typeface="Impact" panose="020B0806030902050204" pitchFamily="34" charset="0"/>
-                  <a:ea typeface="宋体" panose="02010600030101010101" pitchFamily="2" charset="-122"/>
+                  <a:ea typeface="宋体" pitchFamily="2" charset="-122"/>
                   <a:cs typeface="+mn-cs"/>
                 </a:rPr>
                 <a:t>01</a:t>
@@ -9516,7 +9174,7 @@
                 <a:uLnTx/>
                 <a:uFillTx/>
                 <a:latin typeface="Impact" panose="020B0806030902050204" pitchFamily="34" charset="0"/>
-                <a:ea typeface="宋体" panose="02010600030101010101" pitchFamily="2" charset="-122"/>
+                <a:ea typeface="宋体" pitchFamily="2" charset="-122"/>
                 <a:cs typeface="+mn-cs"/>
               </a:endParaRPr>
             </a:p>
@@ -9525,13 +9183,7 @@
       </p:grpSp>
       <p:grpSp>
         <p:nvGrpSpPr>
-          <p:cNvPr id="19" name="组合 18">
-            <a:extLst>
-              <a:ext uri="{FF2B5EF4-FFF2-40B4-BE49-F238E27FC236}">
-                <a16:creationId xmlns:a16="http://schemas.microsoft.com/office/drawing/2014/main" id="{1ED35C10-7727-4B2B-9041-D8F976D81749}"/>
-              </a:ext>
-            </a:extLst>
-          </p:cNvPr>
+          <p:cNvPr id="19" name="组合 18"/>
           <p:cNvGrpSpPr/>
           <p:nvPr/>
         </p:nvGrpSpPr>
@@ -9545,13 +9197,7 @@
         </p:grpSpPr>
         <p:sp>
           <p:nvSpPr>
-            <p:cNvPr id="20" name="平行四边形 19">
-              <a:extLst>
-                <a:ext uri="{FF2B5EF4-FFF2-40B4-BE49-F238E27FC236}">
-                  <a16:creationId xmlns:a16="http://schemas.microsoft.com/office/drawing/2014/main" id="{9C5802CE-5637-4726-ACD4-7A428ADCF3A7}"/>
-                </a:ext>
-              </a:extLst>
-            </p:cNvPr>
+            <p:cNvPr id="20" name="平行四边形 19"/>
             <p:cNvSpPr/>
             <p:nvPr/>
           </p:nvSpPr>
@@ -9606,7 +9252,6 @@
                 <a:buSzTx/>
                 <a:buFontTx/>
                 <a:buNone/>
-                <a:tabLst/>
                 <a:defRPr/>
               </a:pPr>
               <a:endParaRPr kumimoji="0" lang="zh-CN" altLang="en-US" sz="1400" b="0" i="0" u="none" strike="noStrike" kern="1200" cap="none" spc="0" normalizeH="0" baseline="0" noProof="0">
@@ -9620,7 +9265,7 @@
                 <a:uLnTx/>
                 <a:uFillTx/>
                 <a:latin typeface="Impact" panose="020B0806030902050204" pitchFamily="34" charset="0"/>
-                <a:ea typeface="宋体" panose="02010600030101010101" pitchFamily="2" charset="-122"/>
+                <a:ea typeface="宋体" pitchFamily="2" charset="-122"/>
                 <a:cs typeface="+mn-cs"/>
               </a:endParaRPr>
             </a:p>
@@ -9628,13 +9273,7 @@
         </p:sp>
         <p:sp>
           <p:nvSpPr>
-            <p:cNvPr id="21" name="文本框 12">
-              <a:extLst>
-                <a:ext uri="{FF2B5EF4-FFF2-40B4-BE49-F238E27FC236}">
-                  <a16:creationId xmlns:a16="http://schemas.microsoft.com/office/drawing/2014/main" id="{FFDD4A19-2C83-439A-A77B-ACA3E2A2B110}"/>
-                </a:ext>
-              </a:extLst>
-            </p:cNvPr>
+            <p:cNvPr id="21" name="文本框 12"/>
             <p:cNvSpPr txBox="1"/>
             <p:nvPr/>
           </p:nvSpPr>
@@ -9668,7 +9307,6 @@
                 <a:buSzTx/>
                 <a:buFontTx/>
                 <a:buNone/>
-                <a:tabLst/>
                 <a:defRPr/>
               </a:pPr>
               <a:r>
@@ -9683,7 +9321,7 @@
                   <a:uLnTx/>
                   <a:uFillTx/>
                   <a:latin typeface="Impact" panose="020B0806030902050204" pitchFamily="34" charset="0"/>
-                  <a:ea typeface="宋体" panose="02010600030101010101" pitchFamily="2" charset="-122"/>
+                  <a:ea typeface="宋体" pitchFamily="2" charset="-122"/>
                   <a:cs typeface="+mn-cs"/>
                 </a:rPr>
                 <a:t>02</a:t>
@@ -9699,7 +9337,7 @@
                 <a:uLnTx/>
                 <a:uFillTx/>
                 <a:latin typeface="Impact" panose="020B0806030902050204" pitchFamily="34" charset="0"/>
-                <a:ea typeface="宋体" panose="02010600030101010101" pitchFamily="2" charset="-122"/>
+                <a:ea typeface="宋体" pitchFamily="2" charset="-122"/>
                 <a:cs typeface="+mn-cs"/>
               </a:endParaRPr>
             </a:p>
@@ -9708,13 +9346,7 @@
       </p:grpSp>
       <p:grpSp>
         <p:nvGrpSpPr>
-          <p:cNvPr id="22" name="组合 21">
-            <a:extLst>
-              <a:ext uri="{FF2B5EF4-FFF2-40B4-BE49-F238E27FC236}">
-                <a16:creationId xmlns:a16="http://schemas.microsoft.com/office/drawing/2014/main" id="{475BCF5F-6FD0-4FAC-BC71-814CEFB25401}"/>
-              </a:ext>
-            </a:extLst>
-          </p:cNvPr>
+          <p:cNvPr id="22" name="组合 21"/>
           <p:cNvGrpSpPr/>
           <p:nvPr/>
         </p:nvGrpSpPr>
@@ -9728,13 +9360,7 @@
         </p:grpSpPr>
         <p:sp>
           <p:nvSpPr>
-            <p:cNvPr id="23" name="矩形 22">
-              <a:extLst>
-                <a:ext uri="{FF2B5EF4-FFF2-40B4-BE49-F238E27FC236}">
-                  <a16:creationId xmlns:a16="http://schemas.microsoft.com/office/drawing/2014/main" id="{7AA3FF58-4748-4FB1-860D-1CEF798EEBCE}"/>
-                </a:ext>
-              </a:extLst>
-            </p:cNvPr>
+            <p:cNvPr id="23" name="矩形 22"/>
             <p:cNvSpPr/>
             <p:nvPr/>
           </p:nvSpPr>
@@ -9770,7 +9396,6 @@
                 <a:buSzTx/>
                 <a:buFontTx/>
                 <a:buNone/>
-                <a:tabLst/>
                 <a:defRPr/>
               </a:pPr>
               <a:r>
@@ -9848,13 +9473,7 @@
         </p:sp>
         <p:sp>
           <p:nvSpPr>
-            <p:cNvPr id="24" name="平行四边形 23">
-              <a:extLst>
-                <a:ext uri="{FF2B5EF4-FFF2-40B4-BE49-F238E27FC236}">
-                  <a16:creationId xmlns:a16="http://schemas.microsoft.com/office/drawing/2014/main" id="{D5FAA2F8-1AB4-4A33-9AEF-9B144FE2DE9A}"/>
-                </a:ext>
-              </a:extLst>
-            </p:cNvPr>
+            <p:cNvPr id="24" name="平行四边形 23"/>
             <p:cNvSpPr/>
             <p:nvPr/>
           </p:nvSpPr>
@@ -9909,7 +9528,6 @@
                 <a:buSzTx/>
                 <a:buFontTx/>
                 <a:buNone/>
-                <a:tabLst/>
                 <a:defRPr/>
               </a:pPr>
               <a:endParaRPr kumimoji="0" lang="zh-CN" altLang="en-US" sz="1600" b="1" i="0" u="none" strike="noStrike" kern="1200" cap="none" spc="0" normalizeH="0" baseline="0" noProof="0">
@@ -9926,7 +9544,7 @@
                 <a:uLnTx/>
                 <a:uFillTx/>
                 <a:latin typeface="Calibri"/>
-                <a:ea typeface="宋体" panose="02010600030101010101" pitchFamily="2" charset="-122"/>
+                <a:ea typeface="宋体" pitchFamily="2" charset="-122"/>
                 <a:cs typeface="+mn-cs"/>
               </a:endParaRPr>
             </a:p>
@@ -9935,13 +9553,7 @@
       </p:grpSp>
       <p:grpSp>
         <p:nvGrpSpPr>
-          <p:cNvPr id="25" name="组合 24">
-            <a:extLst>
-              <a:ext uri="{FF2B5EF4-FFF2-40B4-BE49-F238E27FC236}">
-                <a16:creationId xmlns:a16="http://schemas.microsoft.com/office/drawing/2014/main" id="{B2340D21-868C-4D02-AEA5-E1AAC0580D6E}"/>
-              </a:ext>
-            </a:extLst>
-          </p:cNvPr>
+          <p:cNvPr id="25" name="组合 24"/>
           <p:cNvGrpSpPr/>
           <p:nvPr/>
         </p:nvGrpSpPr>
@@ -9955,13 +9567,7 @@
         </p:grpSpPr>
         <p:sp>
           <p:nvSpPr>
-            <p:cNvPr id="26" name="矩形 25">
-              <a:extLst>
-                <a:ext uri="{FF2B5EF4-FFF2-40B4-BE49-F238E27FC236}">
-                  <a16:creationId xmlns:a16="http://schemas.microsoft.com/office/drawing/2014/main" id="{D2662836-60C2-44B1-B632-8136B3474B33}"/>
-                </a:ext>
-              </a:extLst>
-            </p:cNvPr>
+            <p:cNvPr id="26" name="矩形 25"/>
             <p:cNvSpPr/>
             <p:nvPr/>
           </p:nvSpPr>
@@ -10040,13 +9646,7 @@
         </p:sp>
         <p:sp>
           <p:nvSpPr>
-            <p:cNvPr id="27" name="平行四边形 26">
-              <a:extLst>
-                <a:ext uri="{FF2B5EF4-FFF2-40B4-BE49-F238E27FC236}">
-                  <a16:creationId xmlns:a16="http://schemas.microsoft.com/office/drawing/2014/main" id="{504D890F-5BEA-43A2-A06A-1A03BBAD844F}"/>
-                </a:ext>
-              </a:extLst>
-            </p:cNvPr>
+            <p:cNvPr id="27" name="平行四边形 26"/>
             <p:cNvSpPr/>
             <p:nvPr/>
           </p:nvSpPr>
@@ -10101,7 +9701,6 @@
                 <a:buSzTx/>
                 <a:buFontTx/>
                 <a:buNone/>
-                <a:tabLst/>
                 <a:defRPr/>
               </a:pPr>
               <a:endParaRPr kumimoji="0" lang="zh-CN" altLang="en-US" sz="1600" b="1" i="0" u="none" strike="noStrike" kern="1200" cap="none" spc="0" normalizeH="0" baseline="0" noProof="0">
@@ -10118,7 +9717,7 @@
                 <a:uLnTx/>
                 <a:uFillTx/>
                 <a:latin typeface="Calibri"/>
-                <a:ea typeface="宋体" panose="02010600030101010101" pitchFamily="2" charset="-122"/>
+                <a:ea typeface="宋体" pitchFamily="2" charset="-122"/>
                 <a:cs typeface="+mn-cs"/>
               </a:endParaRPr>
             </a:p>
@@ -10126,20 +9725,15 @@
         </p:sp>
       </p:grpSp>
     </p:spTree>
-    <p:extLst>
-      <p:ext uri="{BB962C8B-B14F-4D97-AF65-F5344CB8AC3E}">
-        <p14:creationId xmlns:p14="http://schemas.microsoft.com/office/powerpoint/2010/main" val="4243725409"/>
-      </p:ext>
-    </p:extLst>
   </p:cSld>
   <p:clrMapOvr>
     <a:masterClrMapping/>
   </p:clrMapOvr>
-  <mc:AlternateContent xmlns:mc="http://schemas.openxmlformats.org/markup-compatibility/2006" xmlns:p14="http://schemas.microsoft.com/office/powerpoint/2010/main">
-    <mc:Choice Requires="p14">
+  <mc:AlternateContent xmlns:mc="http://schemas.openxmlformats.org/markup-compatibility/2006">
+    <mc:Choice xmlns:p14="http://schemas.microsoft.com/office/powerpoint/2010/main" Requires="p14">
       <p:transition p14:dur="0" advTm="0"/>
     </mc:Choice>
-    <mc:Fallback xmlns="">
+    <mc:Fallback>
       <p:transition advTm="0"/>
     </mc:Fallback>
   </mc:AlternateContent>
@@ -10166,9 +9760,7 @@
       <p:sp>
         <p:nvSpPr>
           <p:cNvPr id="14" name="Title 1"/>
-          <p:cNvSpPr txBox="1">
-            <a:spLocks/>
-          </p:cNvSpPr>
+          <p:cNvSpPr txBox="1"/>
           <p:nvPr/>
         </p:nvSpPr>
         <p:spPr>
@@ -10215,7 +9807,6 @@
               <a:buSzTx/>
               <a:buFontTx/>
               <a:buNone/>
-              <a:tabLst/>
               <a:defRPr/>
             </a:pPr>
             <a:r>
@@ -10296,25 +9887,26 @@
               </a:rPr>
               <a:t>设备展示</a:t>
             </a:r>
+            <a:endParaRPr lang="zh-CN" altLang="en-US" sz="1600" b="1" dirty="0">
+              <a:solidFill>
+                <a:srgbClr val="FFA500"/>
+              </a:solidFill>
+              <a:latin typeface="微软雅黑" panose="020B0503020204020204" pitchFamily="34" charset="-122"/>
+              <a:ea typeface="微软雅黑" panose="020B0503020204020204" pitchFamily="34" charset="-122"/>
+            </a:endParaRPr>
           </a:p>
         </p:txBody>
       </p:sp>
       <p:pic>
         <p:nvPicPr>
-          <p:cNvPr id="16" name="图片 15">
-            <a:extLst>
-              <a:ext uri="{FF2B5EF4-FFF2-40B4-BE49-F238E27FC236}">
-                <a16:creationId xmlns:a16="http://schemas.microsoft.com/office/drawing/2014/main" id="{F35164EC-6057-42C5-B2F9-E90EF66604F6}"/>
-              </a:ext>
-            </a:extLst>
-          </p:cNvPr>
+          <p:cNvPr id="16" name="图片 15"/>
           <p:cNvPicPr>
             <a:picLocks noChangeAspect="1"/>
           </p:cNvPicPr>
           <p:nvPr/>
         </p:nvPicPr>
         <p:blipFill>
-          <a:blip r:embed="rId3" cstate="print">
+          <a:blip r:embed="rId1" cstate="print">
             <a:extLst>
               <a:ext uri="{28A0092B-C50C-407E-A947-70E740481C1C}">
                 <a14:useLocalDpi xmlns:a14="http://schemas.microsoft.com/office/drawing/2010/main" val="0"/>
@@ -10366,20 +9958,14 @@
       </p:pic>
       <p:pic>
         <p:nvPicPr>
-          <p:cNvPr id="18" name="图片 17">
-            <a:extLst>
-              <a:ext uri="{FF2B5EF4-FFF2-40B4-BE49-F238E27FC236}">
-                <a16:creationId xmlns:a16="http://schemas.microsoft.com/office/drawing/2014/main" id="{38BB239B-01BF-4974-9720-908F692E7A05}"/>
-              </a:ext>
-            </a:extLst>
-          </p:cNvPr>
+          <p:cNvPr id="18" name="图片 17"/>
           <p:cNvPicPr>
             <a:picLocks noChangeAspect="1"/>
           </p:cNvPicPr>
           <p:nvPr/>
         </p:nvPicPr>
         <p:blipFill>
-          <a:blip r:embed="rId4" cstate="print">
+          <a:blip r:embed="rId2" cstate="print">
             <a:extLst>
               <a:ext uri="{28A0092B-C50C-407E-A947-70E740481C1C}">
                 <a14:useLocalDpi xmlns:a14="http://schemas.microsoft.com/office/drawing/2010/main" val="0"/>
@@ -10408,6 +9994,8 @@
               <a:srgbClr val="FFFFFF"/>
             </a:solidFill>
             <a:miter lim="800000"/>
+            <a:headEnd/>
+            <a:tailEnd/>
           </a:ln>
           <a:effectLst>
             <a:outerShdw blurRad="55000" dist="18000" dir="5400000" algn="tl" rotWithShape="0">
@@ -10432,20 +10020,14 @@
       </p:pic>
       <p:pic>
         <p:nvPicPr>
-          <p:cNvPr id="19" name="图片 18">
-            <a:extLst>
-              <a:ext uri="{FF2B5EF4-FFF2-40B4-BE49-F238E27FC236}">
-                <a16:creationId xmlns:a16="http://schemas.microsoft.com/office/drawing/2014/main" id="{51F32CAB-13B7-4140-A566-650E6C48361C}"/>
-              </a:ext>
-            </a:extLst>
-          </p:cNvPr>
+          <p:cNvPr id="19" name="图片 18"/>
           <p:cNvPicPr>
             <a:picLocks noChangeAspect="1"/>
           </p:cNvPicPr>
           <p:nvPr/>
         </p:nvPicPr>
         <p:blipFill>
-          <a:blip r:embed="rId5" cstate="print">
+          <a:blip r:embed="rId3" cstate="print">
             <a:extLst>
               <a:ext uri="{28A0092B-C50C-407E-A947-70E740481C1C}">
                 <a14:useLocalDpi xmlns:a14="http://schemas.microsoft.com/office/drawing/2010/main" val="0"/>
@@ -10474,6 +10056,8 @@
               <a:srgbClr val="FFFFFF"/>
             </a:solidFill>
             <a:miter lim="800000"/>
+            <a:headEnd/>
+            <a:tailEnd/>
           </a:ln>
           <a:effectLst>
             <a:outerShdw blurRad="55000" dist="18000" dir="5400000" algn="tl" rotWithShape="0">
@@ -10498,13 +10082,7 @@
       </p:pic>
       <p:sp>
         <p:nvSpPr>
-          <p:cNvPr id="8" name="矩形 7">
-            <a:extLst>
-              <a:ext uri="{FF2B5EF4-FFF2-40B4-BE49-F238E27FC236}">
-                <a16:creationId xmlns:a16="http://schemas.microsoft.com/office/drawing/2014/main" id="{FA6780FB-E7FC-4929-BEBF-423A255538F8}"/>
-              </a:ext>
-            </a:extLst>
-          </p:cNvPr>
+          <p:cNvPr id="8" name="矩形 7"/>
           <p:cNvSpPr/>
           <p:nvPr/>
         </p:nvSpPr>
@@ -10561,20 +10139,15 @@
         </p:txBody>
       </p:sp>
     </p:spTree>
-    <p:extLst>
-      <p:ext uri="{BB962C8B-B14F-4D97-AF65-F5344CB8AC3E}">
-        <p14:creationId xmlns:p14="http://schemas.microsoft.com/office/powerpoint/2010/main" val="4234812109"/>
-      </p:ext>
-    </p:extLst>
   </p:cSld>
   <p:clrMapOvr>
     <a:masterClrMapping/>
   </p:clrMapOvr>
-  <mc:AlternateContent xmlns:mc="http://schemas.openxmlformats.org/markup-compatibility/2006" xmlns:p14="http://schemas.microsoft.com/office/powerpoint/2010/main">
-    <mc:Choice Requires="p14">
+  <mc:AlternateContent xmlns:mc="http://schemas.openxmlformats.org/markup-compatibility/2006">
+    <mc:Choice xmlns:p14="http://schemas.microsoft.com/office/powerpoint/2010/main" Requires="p14">
       <p:transition p14:dur="0" advTm="0"/>
     </mc:Choice>
-    <mc:Fallback xmlns="">
+    <mc:Fallback>
       <p:transition advTm="0"/>
     </mc:Fallback>
   </mc:AlternateContent>
@@ -10601,9 +10174,7 @@
       <p:sp>
         <p:nvSpPr>
           <p:cNvPr id="22" name="Title 1"/>
-          <p:cNvSpPr txBox="1">
-            <a:spLocks/>
-          </p:cNvSpPr>
+          <p:cNvSpPr txBox="1"/>
           <p:nvPr/>
         </p:nvSpPr>
         <p:spPr>
@@ -10681,13 +10252,7 @@
       </p:sp>
       <p:sp>
         <p:nvSpPr>
-          <p:cNvPr id="21" name="文本框 20">
-            <a:extLst>
-              <a:ext uri="{FF2B5EF4-FFF2-40B4-BE49-F238E27FC236}">
-                <a16:creationId xmlns:a16="http://schemas.microsoft.com/office/drawing/2014/main" id="{1E63964C-825E-4DC2-858E-C9AC458C66A0}"/>
-              </a:ext>
-            </a:extLst>
-          </p:cNvPr>
+          <p:cNvPr id="21" name="文本框 20"/>
           <p:cNvSpPr txBox="1"/>
           <p:nvPr/>
         </p:nvSpPr>
@@ -10739,20 +10304,14 @@
       </p:sp>
       <p:pic>
         <p:nvPicPr>
-          <p:cNvPr id="12" name="图片 11">
-            <a:extLst>
-              <a:ext uri="{FF2B5EF4-FFF2-40B4-BE49-F238E27FC236}">
-                <a16:creationId xmlns:a16="http://schemas.microsoft.com/office/drawing/2014/main" id="{3FA85CD6-20BF-4393-98C8-8B42BB29AFB9}"/>
-              </a:ext>
-            </a:extLst>
-          </p:cNvPr>
+          <p:cNvPr id="12" name="图片 11"/>
           <p:cNvPicPr>
             <a:picLocks noChangeAspect="1"/>
           </p:cNvPicPr>
           <p:nvPr/>
         </p:nvPicPr>
         <p:blipFill>
-          <a:blip r:embed="rId3" cstate="print">
+          <a:blip r:embed="rId1" cstate="print">
             <a:extLst>
               <a:ext uri="{28A0092B-C50C-407E-A947-70E740481C1C}">
                 <a14:useLocalDpi xmlns:a14="http://schemas.microsoft.com/office/drawing/2010/main" val="0"/>
@@ -10804,13 +10363,7 @@
       </p:pic>
       <p:sp>
         <p:nvSpPr>
-          <p:cNvPr id="23" name="文本框 22">
-            <a:extLst>
-              <a:ext uri="{FF2B5EF4-FFF2-40B4-BE49-F238E27FC236}">
-                <a16:creationId xmlns:a16="http://schemas.microsoft.com/office/drawing/2014/main" id="{6EE4E845-2419-4067-8EFA-1033F0CAD84F}"/>
-              </a:ext>
-            </a:extLst>
-          </p:cNvPr>
+          <p:cNvPr id="23" name="文本框 22"/>
           <p:cNvSpPr txBox="1"/>
           <p:nvPr/>
         </p:nvSpPr>
@@ -10959,24 +10512,23 @@
               </a:rPr>
               <a:t>调试时，首次能识别，后面就识别不出设备；</a:t>
             </a:r>
+            <a:endParaRPr lang="zh-CN" altLang="en-US" sz="1600" b="1" dirty="0">
+              <a:latin typeface="微软雅黑" panose="020B0503020204020204" pitchFamily="34" charset="-122"/>
+              <a:ea typeface="微软雅黑" panose="020B0503020204020204" pitchFamily="34" charset="-122"/>
+            </a:endParaRPr>
           </a:p>
         </p:txBody>
       </p:sp>
     </p:spTree>
-    <p:extLst>
-      <p:ext uri="{BB962C8B-B14F-4D97-AF65-F5344CB8AC3E}">
-        <p14:creationId xmlns:p14="http://schemas.microsoft.com/office/powerpoint/2010/main" val="1063611396"/>
-      </p:ext>
-    </p:extLst>
   </p:cSld>
   <p:clrMapOvr>
     <a:masterClrMapping/>
   </p:clrMapOvr>
-  <mc:AlternateContent xmlns:mc="http://schemas.openxmlformats.org/markup-compatibility/2006" xmlns:p14="http://schemas.microsoft.com/office/powerpoint/2010/main">
-    <mc:Choice Requires="p14">
+  <mc:AlternateContent xmlns:mc="http://schemas.openxmlformats.org/markup-compatibility/2006">
+    <mc:Choice xmlns:p14="http://schemas.microsoft.com/office/powerpoint/2010/main" Requires="p14">
       <p:transition p14:dur="0" advTm="0"/>
     </mc:Choice>
-    <mc:Fallback xmlns="">
+    <mc:Fallback>
       <p:transition advTm="0"/>
     </mc:Fallback>
   </mc:AlternateContent>
@@ -11003,9 +10555,7 @@
       <p:sp>
         <p:nvSpPr>
           <p:cNvPr id="33" name="Title 1"/>
-          <p:cNvSpPr txBox="1">
-            <a:spLocks/>
-          </p:cNvSpPr>
+          <p:cNvSpPr txBox="1"/>
           <p:nvPr/>
         </p:nvSpPr>
         <p:spPr>
@@ -11071,6 +10621,13 @@
               </a:rPr>
               <a:t>采集设备</a:t>
             </a:r>
+            <a:endParaRPr lang="zh-CN" altLang="en-US" sz="1600" b="1" dirty="0">
+              <a:solidFill>
+                <a:srgbClr val="FFA500"/>
+              </a:solidFill>
+              <a:latin typeface="微软雅黑" panose="020B0503020204020204" pitchFamily="34" charset="-122"/>
+              <a:ea typeface="微软雅黑" panose="020B0503020204020204" pitchFamily="34" charset="-122"/>
+            </a:endParaRPr>
           </a:p>
         </p:txBody>
       </p:sp>
@@ -11117,6 +10674,7 @@
               <a:rPr lang="en-US" altLang="zh-CN" dirty="0"/>
               <a:t>OK</a:t>
             </a:r>
+            <a:endParaRPr lang="en-US" altLang="zh-CN" dirty="0"/>
           </a:p>
           <a:p>
             <a:pPr marL="342900" indent="-342900">
@@ -11180,6 +10738,7 @@
               <a:rPr lang="en-US" altLang="zh-CN" dirty="0"/>
               <a:t>;</a:t>
             </a:r>
+            <a:endParaRPr lang="en-US" altLang="zh-CN" dirty="0"/>
           </a:p>
           <a:p>
             <a:pPr marL="342900" indent="-342900">
@@ -11195,25 +10754,20 @@
               <a:rPr lang="zh-CN" altLang="en-US" dirty="0"/>
               <a:t>采用可充电纽扣电池进行供电。</a:t>
             </a:r>
+            <a:endParaRPr lang="zh-CN" altLang="en-US" dirty="0"/>
           </a:p>
         </p:txBody>
       </p:sp>
       <p:pic>
         <p:nvPicPr>
-          <p:cNvPr id="13" name="图片 12">
-            <a:extLst>
-              <a:ext uri="{FF2B5EF4-FFF2-40B4-BE49-F238E27FC236}">
-                <a16:creationId xmlns:a16="http://schemas.microsoft.com/office/drawing/2014/main" id="{D39E0945-4FBE-4619-94E7-411ABD047D79}"/>
-              </a:ext>
-            </a:extLst>
-          </p:cNvPr>
+          <p:cNvPr id="13" name="图片 12"/>
           <p:cNvPicPr>
             <a:picLocks noChangeAspect="1"/>
           </p:cNvPicPr>
           <p:nvPr/>
         </p:nvPicPr>
         <p:blipFill>
-          <a:blip r:embed="rId3" cstate="print">
+          <a:blip r:embed="rId1" cstate="print">
             <a:extLst>
               <a:ext uri="{28A0092B-C50C-407E-A947-70E740481C1C}">
                 <a14:useLocalDpi xmlns:a14="http://schemas.microsoft.com/office/drawing/2010/main" val="0"/>
@@ -11265,13 +10819,7 @@
       </p:pic>
       <p:sp>
         <p:nvSpPr>
-          <p:cNvPr id="20" name="文本框 19">
-            <a:extLst>
-              <a:ext uri="{FF2B5EF4-FFF2-40B4-BE49-F238E27FC236}">
-                <a16:creationId xmlns:a16="http://schemas.microsoft.com/office/drawing/2014/main" id="{82A160FE-89B6-499E-A2EA-AA3228C79CD8}"/>
-              </a:ext>
-            </a:extLst>
-          </p:cNvPr>
+          <p:cNvPr id="20" name="文本框 19"/>
           <p:cNvSpPr txBox="1"/>
           <p:nvPr/>
         </p:nvSpPr>
@@ -11301,24 +10849,26 @@
               </a:rPr>
               <a:t>设备展示</a:t>
             </a:r>
+            <a:endParaRPr lang="zh-CN" altLang="en-US" sz="1600" b="1" dirty="0">
+              <a:solidFill>
+                <a:srgbClr val="FFA500"/>
+              </a:solidFill>
+              <a:latin typeface="微软雅黑" panose="020B0503020204020204" pitchFamily="34" charset="-122"/>
+              <a:ea typeface="微软雅黑" panose="020B0503020204020204" pitchFamily="34" charset="-122"/>
+            </a:endParaRPr>
           </a:p>
         </p:txBody>
       </p:sp>
     </p:spTree>
-    <p:extLst>
-      <p:ext uri="{BB962C8B-B14F-4D97-AF65-F5344CB8AC3E}">
-        <p14:creationId xmlns:p14="http://schemas.microsoft.com/office/powerpoint/2010/main" val="3910708539"/>
-      </p:ext>
-    </p:extLst>
   </p:cSld>
   <p:clrMapOvr>
     <a:masterClrMapping/>
   </p:clrMapOvr>
-  <mc:AlternateContent xmlns:mc="http://schemas.openxmlformats.org/markup-compatibility/2006" xmlns:p14="http://schemas.microsoft.com/office/powerpoint/2010/main">
-    <mc:Choice Requires="p14">
+  <mc:AlternateContent xmlns:mc="http://schemas.openxmlformats.org/markup-compatibility/2006">
+    <mc:Choice xmlns:p14="http://schemas.microsoft.com/office/powerpoint/2010/main" Requires="p14">
       <p:transition p14:dur="0" advTm="0"/>
     </mc:Choice>
-    <mc:Fallback xmlns="">
+    <mc:Fallback>
       <p:transition advTm="0"/>
     </mc:Fallback>
   </mc:AlternateContent>
@@ -11345,9 +10895,7 @@
       <p:sp>
         <p:nvSpPr>
           <p:cNvPr id="33" name="Title 1"/>
-          <p:cNvSpPr txBox="1">
-            <a:spLocks/>
-          </p:cNvSpPr>
+          <p:cNvSpPr txBox="1"/>
           <p:nvPr/>
         </p:nvSpPr>
         <p:spPr>
@@ -11393,18 +10941,19 @@
               </a:rPr>
               <a:t>换主控</a:t>
             </a:r>
-          </a:p>
-        </p:txBody>
-      </p:sp>
-      <p:sp>
-        <p:nvSpPr>
-          <p:cNvPr id="20" name="文本框 19">
-            <a:extLst>
-              <a:ext uri="{FF2B5EF4-FFF2-40B4-BE49-F238E27FC236}">
-                <a16:creationId xmlns:a16="http://schemas.microsoft.com/office/drawing/2014/main" id="{82A160FE-89B6-499E-A2EA-AA3228C79CD8}"/>
-              </a:ext>
-            </a:extLst>
-          </p:cNvPr>
+            <a:endParaRPr lang="zh-CN" altLang="en-US" sz="1600" b="1" dirty="0">
+              <a:solidFill>
+                <a:srgbClr val="FFA500"/>
+              </a:solidFill>
+              <a:latin typeface="微软雅黑" panose="020B0503020204020204" pitchFamily="34" charset="-122"/>
+              <a:ea typeface="微软雅黑" panose="020B0503020204020204" pitchFamily="34" charset="-122"/>
+            </a:endParaRPr>
+          </a:p>
+        </p:txBody>
+      </p:sp>
+      <p:sp>
+        <p:nvSpPr>
+          <p:cNvPr id="20" name="文本框 19"/>
           <p:cNvSpPr txBox="1"/>
           <p:nvPr/>
         </p:nvSpPr>
@@ -11456,13 +11005,7 @@
       </p:sp>
       <p:sp>
         <p:nvSpPr>
-          <p:cNvPr id="6" name="文本框 5">
-            <a:extLst>
-              <a:ext uri="{FF2B5EF4-FFF2-40B4-BE49-F238E27FC236}">
-                <a16:creationId xmlns:a16="http://schemas.microsoft.com/office/drawing/2014/main" id="{B6DB6FE9-A681-49C3-BCEE-37601E5538FB}"/>
-              </a:ext>
-            </a:extLst>
-          </p:cNvPr>
+          <p:cNvPr id="6" name="文本框 5"/>
           <p:cNvSpPr txBox="1"/>
           <p:nvPr/>
         </p:nvSpPr>
@@ -11591,20 +11134,14 @@
       </p:sp>
       <p:pic>
         <p:nvPicPr>
-          <p:cNvPr id="7" name="图片 6">
-            <a:extLst>
-              <a:ext uri="{FF2B5EF4-FFF2-40B4-BE49-F238E27FC236}">
-                <a16:creationId xmlns:a16="http://schemas.microsoft.com/office/drawing/2014/main" id="{3711F876-BB88-4C52-AF27-7C1892E2CAB7}"/>
-              </a:ext>
-            </a:extLst>
-          </p:cNvPr>
+          <p:cNvPr id="7" name="图片 6"/>
           <p:cNvPicPr>
             <a:picLocks noChangeAspect="1"/>
           </p:cNvPicPr>
           <p:nvPr/>
         </p:nvPicPr>
         <p:blipFill>
-          <a:blip r:embed="rId3">
+          <a:blip r:embed="rId1">
             <a:extLst>
               <a:ext uri="{28A0092B-C50C-407E-A947-70E740481C1C}">
                 <a14:useLocalDpi xmlns:a14="http://schemas.microsoft.com/office/drawing/2010/main" val="0"/>
@@ -11627,20 +11164,14 @@
       </p:pic>
       <p:pic>
         <p:nvPicPr>
-          <p:cNvPr id="8" name="图片 7">
-            <a:extLst>
-              <a:ext uri="{FF2B5EF4-FFF2-40B4-BE49-F238E27FC236}">
-                <a16:creationId xmlns:a16="http://schemas.microsoft.com/office/drawing/2014/main" id="{31F61513-BC19-4F93-A2D3-17F8E33AE9F5}"/>
-              </a:ext>
-            </a:extLst>
-          </p:cNvPr>
+          <p:cNvPr id="8" name="图片 7"/>
           <p:cNvPicPr>
             <a:picLocks noChangeAspect="1"/>
           </p:cNvPicPr>
           <p:nvPr/>
         </p:nvPicPr>
         <p:blipFill>
-          <a:blip r:embed="rId4">
+          <a:blip r:embed="rId2">
             <a:extLst>
               <a:ext uri="{28A0092B-C50C-407E-A947-70E740481C1C}">
                 <a14:useLocalDpi xmlns:a14="http://schemas.microsoft.com/office/drawing/2010/main" val="0"/>
@@ -11662,20 +11193,15 @@
         </p:spPr>
       </p:pic>
     </p:spTree>
-    <p:extLst>
-      <p:ext uri="{BB962C8B-B14F-4D97-AF65-F5344CB8AC3E}">
-        <p14:creationId xmlns:p14="http://schemas.microsoft.com/office/powerpoint/2010/main" val="3432289322"/>
-      </p:ext>
-    </p:extLst>
   </p:cSld>
   <p:clrMapOvr>
     <a:masterClrMapping/>
   </p:clrMapOvr>
-  <mc:AlternateContent xmlns:mc="http://schemas.openxmlformats.org/markup-compatibility/2006" xmlns:p14="http://schemas.microsoft.com/office/powerpoint/2010/main">
-    <mc:Choice Requires="p14">
+  <mc:AlternateContent xmlns:mc="http://schemas.openxmlformats.org/markup-compatibility/2006">
+    <mc:Choice xmlns:p14="http://schemas.microsoft.com/office/powerpoint/2010/main" Requires="p14">
       <p:transition p14:dur="0" advTm="0"/>
     </mc:Choice>
-    <mc:Fallback xmlns="">
+    <mc:Fallback>
       <p:transition advTm="0"/>
     </mc:Fallback>
   </mc:AlternateContent>
@@ -11702,9 +11228,7 @@
       <p:sp>
         <p:nvSpPr>
           <p:cNvPr id="33" name="Title 1"/>
-          <p:cNvSpPr txBox="1">
-            <a:spLocks/>
-          </p:cNvSpPr>
+          <p:cNvSpPr txBox="1"/>
           <p:nvPr/>
         </p:nvSpPr>
         <p:spPr>
@@ -11799,6 +11323,7 @@
               <a:rPr lang="en-US" altLang="zh-CN" sz="2000" dirty="0"/>
               <a:t>ADS299</a:t>
             </a:r>
+            <a:endParaRPr lang="en-US" altLang="zh-CN" sz="2000" dirty="0"/>
           </a:p>
           <a:p>
             <a:endParaRPr lang="en-US" altLang="zh-CN" sz="2000" dirty="0"/>
@@ -11855,6 +11380,7 @@
               <a:rPr lang="en-US" altLang="zh-CN" sz="2000" dirty="0"/>
               <a:t>AVCC=5V,  AVDD=3.3V;</a:t>
             </a:r>
+            <a:endParaRPr lang="en-US" altLang="zh-CN" sz="2000" dirty="0"/>
           </a:p>
           <a:p>
             <a:pPr marL="342900" indent="-342900">
@@ -11882,18 +11408,13 @@
               <a:rPr lang="zh-CN" altLang="en-US" sz="2000" dirty="0"/>
               <a:t>。</a:t>
             </a:r>
-          </a:p>
-        </p:txBody>
-      </p:sp>
-      <p:sp>
-        <p:nvSpPr>
-          <p:cNvPr id="20" name="文本框 19">
-            <a:extLst>
-              <a:ext uri="{FF2B5EF4-FFF2-40B4-BE49-F238E27FC236}">
-                <a16:creationId xmlns:a16="http://schemas.microsoft.com/office/drawing/2014/main" id="{82A160FE-89B6-499E-A2EA-AA3228C79CD8}"/>
-              </a:ext>
-            </a:extLst>
-          </p:cNvPr>
+            <a:endParaRPr lang="zh-CN" altLang="en-US" sz="2000" dirty="0"/>
+          </a:p>
+        </p:txBody>
+      </p:sp>
+      <p:sp>
+        <p:nvSpPr>
+          <p:cNvPr id="20" name="文本框 19"/>
           <p:cNvSpPr txBox="1"/>
           <p:nvPr/>
         </p:nvSpPr>
@@ -11923,25 +11444,26 @@
               </a:rPr>
               <a:t>采集前端</a:t>
             </a:r>
+            <a:endParaRPr lang="zh-CN" altLang="en-US" sz="2000" b="1" dirty="0">
+              <a:solidFill>
+                <a:srgbClr val="FFA500"/>
+              </a:solidFill>
+              <a:latin typeface="微软雅黑" panose="020B0503020204020204" pitchFamily="34" charset="-122"/>
+              <a:ea typeface="微软雅黑" panose="020B0503020204020204" pitchFamily="34" charset="-122"/>
+            </a:endParaRPr>
           </a:p>
         </p:txBody>
       </p:sp>
       <p:pic>
         <p:nvPicPr>
-          <p:cNvPr id="3" name="图片 2">
-            <a:extLst>
-              <a:ext uri="{FF2B5EF4-FFF2-40B4-BE49-F238E27FC236}">
-                <a16:creationId xmlns:a16="http://schemas.microsoft.com/office/drawing/2014/main" id="{A8699C39-6BEB-4A84-AFFC-17A50467E875}"/>
-              </a:ext>
-            </a:extLst>
-          </p:cNvPr>
+          <p:cNvPr id="3" name="图片 2"/>
           <p:cNvPicPr>
             <a:picLocks noChangeAspect="1"/>
           </p:cNvPicPr>
           <p:nvPr/>
         </p:nvPicPr>
         <p:blipFill>
-          <a:blip r:embed="rId3">
+          <a:blip r:embed="rId1">
             <a:extLst>
               <a:ext uri="{28A0092B-C50C-407E-A947-70E740481C1C}">
                 <a14:useLocalDpi xmlns:a14="http://schemas.microsoft.com/office/drawing/2010/main" val="0"/>
@@ -11963,20 +11485,15 @@
         </p:spPr>
       </p:pic>
     </p:spTree>
-    <p:extLst>
-      <p:ext uri="{BB962C8B-B14F-4D97-AF65-F5344CB8AC3E}">
-        <p14:creationId xmlns:p14="http://schemas.microsoft.com/office/powerpoint/2010/main" val="691955665"/>
-      </p:ext>
-    </p:extLst>
   </p:cSld>
   <p:clrMapOvr>
     <a:masterClrMapping/>
   </p:clrMapOvr>
-  <mc:AlternateContent xmlns:mc="http://schemas.openxmlformats.org/markup-compatibility/2006" xmlns:p14="http://schemas.microsoft.com/office/powerpoint/2010/main">
-    <mc:Choice Requires="p14">
+  <mc:AlternateContent xmlns:mc="http://schemas.openxmlformats.org/markup-compatibility/2006">
+    <mc:Choice xmlns:p14="http://schemas.microsoft.com/office/powerpoint/2010/main" Requires="p14">
       <p:transition p14:dur="0" advTm="0"/>
     </mc:Choice>
-    <mc:Fallback xmlns="">
+    <mc:Fallback>
       <p:transition advTm="0"/>
     </mc:Fallback>
   </mc:AlternateContent>
@@ -12003,9 +11520,7 @@
       <p:sp>
         <p:nvSpPr>
           <p:cNvPr id="33" name="Title 1"/>
-          <p:cNvSpPr txBox="1">
-            <a:spLocks/>
-          </p:cNvSpPr>
+          <p:cNvSpPr txBox="1"/>
           <p:nvPr/>
         </p:nvSpPr>
         <p:spPr>
@@ -12100,6 +11615,7 @@
               <a:rPr lang="en-US" altLang="zh-CN" sz="2000" dirty="0"/>
               <a:t>CH559L</a:t>
             </a:r>
+            <a:endParaRPr lang="en-US" altLang="zh-CN" sz="2000" dirty="0"/>
           </a:p>
           <a:p>
             <a:endParaRPr lang="en-US" altLang="zh-CN" sz="2000" dirty="0"/>
@@ -12152,6 +11668,7 @@
               <a:rPr lang="en-US" altLang="zh-CN" sz="2000" dirty="0"/>
               <a:t>Input: AVCC=5V; Output: AVDD=3.3V;</a:t>
             </a:r>
+            <a:endParaRPr lang="en-US" altLang="zh-CN" sz="2000" dirty="0"/>
           </a:p>
           <a:p>
             <a:pPr marL="342900" indent="-342900">
@@ -12167,6 +11684,7 @@
               <a:rPr lang="en-US" altLang="zh-CN" sz="2000" dirty="0"/>
               <a:t>RAM--6k; ROM—64K</a:t>
             </a:r>
+            <a:endParaRPr lang="en-US" altLang="zh-CN" sz="2000" dirty="0"/>
           </a:p>
           <a:p>
             <a:pPr marL="342900" indent="-342900">
@@ -12181,13 +11699,7 @@
       </p:sp>
       <p:sp>
         <p:nvSpPr>
-          <p:cNvPr id="20" name="文本框 19">
-            <a:extLst>
-              <a:ext uri="{FF2B5EF4-FFF2-40B4-BE49-F238E27FC236}">
-                <a16:creationId xmlns:a16="http://schemas.microsoft.com/office/drawing/2014/main" id="{82A160FE-89B6-499E-A2EA-AA3228C79CD8}"/>
-              </a:ext>
-            </a:extLst>
-          </p:cNvPr>
+          <p:cNvPr id="20" name="文本框 19"/>
           <p:cNvSpPr txBox="1"/>
           <p:nvPr/>
         </p:nvSpPr>
@@ -12239,20 +11751,14 @@
       </p:sp>
       <p:pic>
         <p:nvPicPr>
-          <p:cNvPr id="4" name="图片 3">
-            <a:extLst>
-              <a:ext uri="{FF2B5EF4-FFF2-40B4-BE49-F238E27FC236}">
-                <a16:creationId xmlns:a16="http://schemas.microsoft.com/office/drawing/2014/main" id="{07B32B5A-D116-429F-86A3-CF89BF40296A}"/>
-              </a:ext>
-            </a:extLst>
-          </p:cNvPr>
+          <p:cNvPr id="4" name="图片 3"/>
           <p:cNvPicPr>
             <a:picLocks noChangeAspect="1"/>
           </p:cNvPicPr>
           <p:nvPr/>
         </p:nvPicPr>
         <p:blipFill>
-          <a:blip r:embed="rId3">
+          <a:blip r:embed="rId1">
             <a:extLst>
               <a:ext uri="{28A0092B-C50C-407E-A947-70E740481C1C}">
                 <a14:useLocalDpi xmlns:a14="http://schemas.microsoft.com/office/drawing/2010/main" val="0"/>
@@ -12275,20 +11781,14 @@
       </p:pic>
       <p:pic>
         <p:nvPicPr>
-          <p:cNvPr id="6" name="图片 5">
-            <a:extLst>
-              <a:ext uri="{FF2B5EF4-FFF2-40B4-BE49-F238E27FC236}">
-                <a16:creationId xmlns:a16="http://schemas.microsoft.com/office/drawing/2014/main" id="{C3EAAC40-1E30-4410-97FF-38E60289BA44}"/>
-              </a:ext>
-            </a:extLst>
-          </p:cNvPr>
+          <p:cNvPr id="6" name="图片 5"/>
           <p:cNvPicPr>
             <a:picLocks noChangeAspect="1"/>
           </p:cNvPicPr>
           <p:nvPr/>
         </p:nvPicPr>
         <p:blipFill>
-          <a:blip r:embed="rId4">
+          <a:blip r:embed="rId2">
             <a:extLst>
               <a:ext uri="{28A0092B-C50C-407E-A947-70E740481C1C}">
                 <a14:useLocalDpi xmlns:a14="http://schemas.microsoft.com/office/drawing/2010/main" val="0"/>
@@ -12310,20 +11810,15 @@
         </p:spPr>
       </p:pic>
     </p:spTree>
-    <p:extLst>
-      <p:ext uri="{BB962C8B-B14F-4D97-AF65-F5344CB8AC3E}">
-        <p14:creationId xmlns:p14="http://schemas.microsoft.com/office/powerpoint/2010/main" val="1559584284"/>
-      </p:ext>
-    </p:extLst>
   </p:cSld>
   <p:clrMapOvr>
     <a:masterClrMapping/>
   </p:clrMapOvr>
-  <mc:AlternateContent xmlns:mc="http://schemas.openxmlformats.org/markup-compatibility/2006" xmlns:p14="http://schemas.microsoft.com/office/powerpoint/2010/main">
-    <mc:Choice Requires="p14">
+  <mc:AlternateContent xmlns:mc="http://schemas.openxmlformats.org/markup-compatibility/2006">
+    <mc:Choice xmlns:p14="http://schemas.microsoft.com/office/powerpoint/2010/main" Requires="p14">
       <p:transition p14:dur="0" advTm="0"/>
     </mc:Choice>
-    <mc:Fallback xmlns="">
+    <mc:Fallback>
       <p:transition advTm="0"/>
     </mc:Fallback>
   </mc:AlternateContent>
@@ -12350,9 +11845,7 @@
       <p:sp>
         <p:nvSpPr>
           <p:cNvPr id="33" name="Title 1"/>
-          <p:cNvSpPr txBox="1">
-            <a:spLocks/>
-          </p:cNvSpPr>
+          <p:cNvSpPr txBox="1"/>
           <p:nvPr/>
         </p:nvSpPr>
         <p:spPr>
@@ -12398,6 +11891,13 @@
               </a:rPr>
               <a:t>Atmega328</a:t>
             </a:r>
+            <a:endParaRPr lang="en-US" altLang="zh-CN" sz="1600" b="1" dirty="0">
+              <a:solidFill>
+                <a:srgbClr val="FFA500"/>
+              </a:solidFill>
+              <a:latin typeface="微软雅黑" panose="020B0503020204020204" pitchFamily="34" charset="-122"/>
+              <a:ea typeface="微软雅黑" panose="020B0503020204020204" pitchFamily="34" charset="-122"/>
+            </a:endParaRPr>
           </a:p>
         </p:txBody>
       </p:sp>
@@ -12440,6 +11940,7 @@
               <a:rPr lang="en-US" altLang="zh-CN" sz="2000" dirty="0"/>
               <a:t>Atmega328</a:t>
             </a:r>
+            <a:endParaRPr lang="en-US" altLang="zh-CN" sz="2000" dirty="0"/>
           </a:p>
           <a:p>
             <a:endParaRPr lang="en-US" altLang="zh-CN" sz="2000" dirty="0"/>
@@ -12492,6 +11993,7 @@
               <a:rPr lang="en-US" altLang="zh-CN" sz="2000" dirty="0"/>
               <a:t>AVCC=5V;</a:t>
             </a:r>
+            <a:endParaRPr lang="en-US" altLang="zh-CN" sz="2000" dirty="0"/>
           </a:p>
           <a:p>
             <a:pPr marL="342900" indent="-342900">
@@ -12544,13 +12046,7 @@
       </p:sp>
       <p:sp>
         <p:nvSpPr>
-          <p:cNvPr id="20" name="文本框 19">
-            <a:extLst>
-              <a:ext uri="{FF2B5EF4-FFF2-40B4-BE49-F238E27FC236}">
-                <a16:creationId xmlns:a16="http://schemas.microsoft.com/office/drawing/2014/main" id="{82A160FE-89B6-499E-A2EA-AA3228C79CD8}"/>
-              </a:ext>
-            </a:extLst>
-          </p:cNvPr>
+          <p:cNvPr id="20" name="文本框 19"/>
           <p:cNvSpPr txBox="1"/>
           <p:nvPr/>
         </p:nvSpPr>
@@ -12592,20 +12088,14 @@
       </p:sp>
       <p:pic>
         <p:nvPicPr>
-          <p:cNvPr id="3" name="图片 2">
-            <a:extLst>
-              <a:ext uri="{FF2B5EF4-FFF2-40B4-BE49-F238E27FC236}">
-                <a16:creationId xmlns:a16="http://schemas.microsoft.com/office/drawing/2014/main" id="{7665CFCA-BFE0-4EB7-906A-86701901E231}"/>
-              </a:ext>
-            </a:extLst>
-          </p:cNvPr>
+          <p:cNvPr id="3" name="图片 2"/>
           <p:cNvPicPr>
             <a:picLocks noChangeAspect="1"/>
           </p:cNvPicPr>
           <p:nvPr/>
         </p:nvPicPr>
         <p:blipFill>
-          <a:blip r:embed="rId3">
+          <a:blip r:embed="rId1">
             <a:extLst>
               <a:ext uri="{28A0092B-C50C-407E-A947-70E740481C1C}">
                 <a14:useLocalDpi xmlns:a14="http://schemas.microsoft.com/office/drawing/2010/main" val="0"/>
@@ -12632,6 +12122,8 @@
               <a:srgbClr val="FFFFFF"/>
             </a:solidFill>
             <a:miter lim="800000"/>
+            <a:headEnd/>
+            <a:tailEnd/>
           </a:ln>
           <a:effectLst>
             <a:outerShdw blurRad="254000" algn="tl" rotWithShape="0">
@@ -12644,20 +12136,14 @@
       </p:pic>
       <p:pic>
         <p:nvPicPr>
-          <p:cNvPr id="6" name="图片 5">
-            <a:extLst>
-              <a:ext uri="{FF2B5EF4-FFF2-40B4-BE49-F238E27FC236}">
-                <a16:creationId xmlns:a16="http://schemas.microsoft.com/office/drawing/2014/main" id="{C3EAAC40-1E30-4410-97FF-38E60289BA44}"/>
-              </a:ext>
-            </a:extLst>
-          </p:cNvPr>
+          <p:cNvPr id="6" name="图片 5"/>
           <p:cNvPicPr>
             <a:picLocks noChangeAspect="1"/>
           </p:cNvPicPr>
           <p:nvPr/>
         </p:nvPicPr>
         <p:blipFill>
-          <a:blip r:embed="rId4">
+          <a:blip r:embed="rId2">
             <a:extLst>
               <a:ext uri="{28A0092B-C50C-407E-A947-70E740481C1C}">
                 <a14:useLocalDpi xmlns:a14="http://schemas.microsoft.com/office/drawing/2010/main" val="0"/>
@@ -12680,20 +12166,14 @@
       </p:pic>
       <p:pic>
         <p:nvPicPr>
-          <p:cNvPr id="7" name="图片 6">
-            <a:extLst>
-              <a:ext uri="{FF2B5EF4-FFF2-40B4-BE49-F238E27FC236}">
-                <a16:creationId xmlns:a16="http://schemas.microsoft.com/office/drawing/2014/main" id="{07838964-0EF2-4E21-A5F6-15BD92962EB1}"/>
-              </a:ext>
-            </a:extLst>
-          </p:cNvPr>
+          <p:cNvPr id="7" name="图片 6"/>
           <p:cNvPicPr>
             <a:picLocks noChangeAspect="1"/>
           </p:cNvPicPr>
           <p:nvPr/>
         </p:nvPicPr>
         <p:blipFill>
-          <a:blip r:embed="rId5" cstate="print">
+          <a:blip r:embed="rId3" cstate="print">
             <a:extLst>
               <a:ext uri="{28A0092B-C50C-407E-A947-70E740481C1C}">
                 <a14:useLocalDpi xmlns:a14="http://schemas.microsoft.com/office/drawing/2010/main" val="0"/>
@@ -12715,31 +12195,19 @@
         </p:spPr>
       </p:pic>
     </p:spTree>
-    <p:extLst>
-      <p:ext uri="{BB962C8B-B14F-4D97-AF65-F5344CB8AC3E}">
-        <p14:creationId xmlns:p14="http://schemas.microsoft.com/office/powerpoint/2010/main" val="2366669888"/>
-      </p:ext>
-    </p:extLst>
   </p:cSld>
   <p:clrMapOvr>
     <a:masterClrMapping/>
   </p:clrMapOvr>
-  <mc:AlternateContent xmlns:mc="http://schemas.openxmlformats.org/markup-compatibility/2006" xmlns:p14="http://schemas.microsoft.com/office/powerpoint/2010/main">
-    <mc:Choice Requires="p14">
+  <mc:AlternateContent xmlns:mc="http://schemas.openxmlformats.org/markup-compatibility/2006">
+    <mc:Choice xmlns:p14="http://schemas.microsoft.com/office/powerpoint/2010/main" Requires="p14">
       <p:transition p14:dur="0" advTm="0"/>
     </mc:Choice>
-    <mc:Fallback xmlns="">
+    <mc:Fallback>
       <p:transition advTm="0"/>
     </mc:Fallback>
   </mc:AlternateContent>
 </p:sld>
-</file>
-
-<file path=ppt/tags/tag1.xml><?xml version="1.0" encoding="utf-8"?>
-<p:tagLst xmlns:a="http://schemas.openxmlformats.org/drawingml/2006/main" xmlns:r="http://schemas.openxmlformats.org/officeDocument/2006/relationships" xmlns:p="http://schemas.openxmlformats.org/presentationml/2006/main">
-  <p:tag name="ISPRING_PRESENTATION_TITLE" val="falsh"/>
-  <p:tag name="ISPRING_RESOURCE_PATHS_HASH_PRESENTER" val="64343fd25122d4c848f085ebede3ab4747442f4"/>
-</p:tagLst>
 </file>
 
 <file path=ppt/theme/theme1.xml><?xml version="1.0" encoding="utf-8"?>
@@ -13044,7 +12512,11 @@
       </a:lstStyle>
     </a:txDef>
   </a:objectDefaults>
-  <a:extraClrSchemeLst/>
+  <a:extLst>
+    <a:ext uri="{05A4C25C-085E-4340-85A3-A5531E510DB2}">
+      <thm15:themeFamily xmlns:thm15="http://schemas.microsoft.com/office/thememl/2012/main" name="Office Theme" id="{62F939B6-93AF-4DB8-9C6B-D6C7DFDC589F}" vid="{4A3C46E8-61CC-4603-A589-7422A47A8E4A}"/>
+    </a:ext>
+  </a:extLst>
 </a:theme>
 </file>
 
@@ -13328,7 +12800,10 @@
       </a:bgFillStyleLst>
     </a:fmtScheme>
   </a:themeElements>
-  <a:objectDefaults/>
-  <a:extraClrSchemeLst/>
+  <a:extLst>
+    <a:ext uri="{05A4C25C-085E-4340-85A3-A5531E510DB2}">
+      <thm15:themeFamily xmlns:thm15="http://schemas.microsoft.com/office/thememl/2012/main" name="Office Theme" id="{62F939B6-93AF-4DB8-9C6B-D6C7DFDC589F}" vid="{4A3C46E8-61CC-4603-A589-7422A47A8E4A}"/>
+    </a:ext>
+  </a:extLst>
 </a:theme>
 </file>